--- a/ModernJS/Projects/BS5 Project.pptx
+++ b/ModernJS/Projects/BS5 Project.pptx
@@ -6,15 +6,16 @@
   </p:sldMasterIdLst>
   <p:sldIdLst>
     <p:sldId id="256" r:id="rId2"/>
-    <p:sldId id="257" r:id="rId3"/>
-    <p:sldId id="271" r:id="rId4"/>
-    <p:sldId id="270" r:id="rId5"/>
-    <p:sldId id="258" r:id="rId6"/>
-    <p:sldId id="266" r:id="rId7"/>
-    <p:sldId id="267" r:id="rId8"/>
-    <p:sldId id="268" r:id="rId9"/>
-    <p:sldId id="269" r:id="rId10"/>
-    <p:sldId id="282" r:id="rId11"/>
+    <p:sldId id="283" r:id="rId3"/>
+    <p:sldId id="257" r:id="rId4"/>
+    <p:sldId id="271" r:id="rId5"/>
+    <p:sldId id="270" r:id="rId6"/>
+    <p:sldId id="258" r:id="rId7"/>
+    <p:sldId id="266" r:id="rId8"/>
+    <p:sldId id="267" r:id="rId9"/>
+    <p:sldId id="268" r:id="rId10"/>
+    <p:sldId id="269" r:id="rId11"/>
+    <p:sldId id="282" r:id="rId12"/>
   </p:sldIdLst>
   <p:sldSz cx="12192000" cy="6858000"/>
   <p:notesSz cx="6858000" cy="9144000"/>
@@ -1615,7 +1616,1002 @@
 </dgm:colorsDef>
 </file>
 
+<file path=ppt/diagrams/colors3.xml><?xml version="1.0" encoding="utf-8"?>
+<dgm:colorsDef xmlns:dgm="http://schemas.openxmlformats.org/drawingml/2006/diagram" xmlns:a="http://schemas.openxmlformats.org/drawingml/2006/main" uniqueId="urn:microsoft.com/office/officeart/2005/8/colors/accent1_2">
+  <dgm:title val=""/>
+  <dgm:desc val=""/>
+  <dgm:catLst>
+    <dgm:cat type="accent1" pri="11200"/>
+  </dgm:catLst>
+  <dgm:styleLbl name="node0">
+    <dgm:fillClrLst meth="repeat">
+      <a:schemeClr val="accent1"/>
+    </dgm:fillClrLst>
+    <dgm:linClrLst meth="repeat">
+      <a:schemeClr val="lt1"/>
+    </dgm:linClrLst>
+    <dgm:effectClrLst/>
+    <dgm:txLinClrLst/>
+    <dgm:txFillClrLst/>
+    <dgm:txEffectClrLst/>
+  </dgm:styleLbl>
+  <dgm:styleLbl name="alignNode1">
+    <dgm:fillClrLst meth="repeat">
+      <a:schemeClr val="accent1"/>
+    </dgm:fillClrLst>
+    <dgm:linClrLst meth="repeat">
+      <a:schemeClr val="accent1"/>
+    </dgm:linClrLst>
+    <dgm:effectClrLst/>
+    <dgm:txLinClrLst/>
+    <dgm:txFillClrLst/>
+    <dgm:txEffectClrLst/>
+  </dgm:styleLbl>
+  <dgm:styleLbl name="node1">
+    <dgm:fillClrLst meth="repeat">
+      <a:schemeClr val="accent1"/>
+    </dgm:fillClrLst>
+    <dgm:linClrLst meth="repeat">
+      <a:schemeClr val="lt1"/>
+    </dgm:linClrLst>
+    <dgm:effectClrLst/>
+    <dgm:txLinClrLst/>
+    <dgm:txFillClrLst/>
+    <dgm:txEffectClrLst/>
+  </dgm:styleLbl>
+  <dgm:styleLbl name="lnNode1">
+    <dgm:fillClrLst meth="repeat">
+      <a:schemeClr val="accent1"/>
+    </dgm:fillClrLst>
+    <dgm:linClrLst meth="repeat">
+      <a:schemeClr val="lt1"/>
+    </dgm:linClrLst>
+    <dgm:effectClrLst/>
+    <dgm:txLinClrLst/>
+    <dgm:txFillClrLst/>
+    <dgm:txEffectClrLst/>
+  </dgm:styleLbl>
+  <dgm:styleLbl name="vennNode1">
+    <dgm:fillClrLst meth="repeat">
+      <a:schemeClr val="accent1">
+        <a:alpha val="50000"/>
+      </a:schemeClr>
+    </dgm:fillClrLst>
+    <dgm:linClrLst meth="repeat">
+      <a:schemeClr val="lt1"/>
+    </dgm:linClrLst>
+    <dgm:effectClrLst/>
+    <dgm:txLinClrLst/>
+    <dgm:txFillClrLst/>
+    <dgm:txEffectClrLst/>
+  </dgm:styleLbl>
+  <dgm:styleLbl name="node2">
+    <dgm:fillClrLst meth="repeat">
+      <a:schemeClr val="accent1"/>
+    </dgm:fillClrLst>
+    <dgm:linClrLst meth="repeat">
+      <a:schemeClr val="lt1"/>
+    </dgm:linClrLst>
+    <dgm:effectClrLst/>
+    <dgm:txLinClrLst/>
+    <dgm:txFillClrLst/>
+    <dgm:txEffectClrLst/>
+  </dgm:styleLbl>
+  <dgm:styleLbl name="node3">
+    <dgm:fillClrLst meth="repeat">
+      <a:schemeClr val="accent1"/>
+    </dgm:fillClrLst>
+    <dgm:linClrLst meth="repeat">
+      <a:schemeClr val="lt1"/>
+    </dgm:linClrLst>
+    <dgm:effectClrLst/>
+    <dgm:txLinClrLst/>
+    <dgm:txFillClrLst/>
+    <dgm:txEffectClrLst/>
+  </dgm:styleLbl>
+  <dgm:styleLbl name="node4">
+    <dgm:fillClrLst meth="repeat">
+      <a:schemeClr val="accent1"/>
+    </dgm:fillClrLst>
+    <dgm:linClrLst meth="repeat">
+      <a:schemeClr val="lt1"/>
+    </dgm:linClrLst>
+    <dgm:effectClrLst/>
+    <dgm:txLinClrLst/>
+    <dgm:txFillClrLst/>
+    <dgm:txEffectClrLst/>
+  </dgm:styleLbl>
+  <dgm:styleLbl name="fgImgPlace1">
+    <dgm:fillClrLst meth="repeat">
+      <a:schemeClr val="accent1">
+        <a:tint val="50000"/>
+      </a:schemeClr>
+    </dgm:fillClrLst>
+    <dgm:linClrLst meth="repeat">
+      <a:schemeClr val="lt1"/>
+    </dgm:linClrLst>
+    <dgm:effectClrLst/>
+    <dgm:txLinClrLst/>
+    <dgm:txFillClrLst meth="repeat">
+      <a:schemeClr val="lt1"/>
+    </dgm:txFillClrLst>
+    <dgm:txEffectClrLst/>
+  </dgm:styleLbl>
+  <dgm:styleLbl name="alignImgPlace1">
+    <dgm:fillClrLst meth="repeat">
+      <a:schemeClr val="accent1">
+        <a:tint val="50000"/>
+      </a:schemeClr>
+    </dgm:fillClrLst>
+    <dgm:linClrLst meth="repeat">
+      <a:schemeClr val="lt1"/>
+    </dgm:linClrLst>
+    <dgm:effectClrLst/>
+    <dgm:txLinClrLst/>
+    <dgm:txFillClrLst meth="repeat">
+      <a:schemeClr val="lt1"/>
+    </dgm:txFillClrLst>
+    <dgm:txEffectClrLst/>
+  </dgm:styleLbl>
+  <dgm:styleLbl name="bgImgPlace1">
+    <dgm:fillClrLst meth="repeat">
+      <a:schemeClr val="accent1">
+        <a:tint val="50000"/>
+      </a:schemeClr>
+    </dgm:fillClrLst>
+    <dgm:linClrLst meth="repeat">
+      <a:schemeClr val="lt1"/>
+    </dgm:linClrLst>
+    <dgm:effectClrLst/>
+    <dgm:txLinClrLst/>
+    <dgm:txFillClrLst meth="repeat">
+      <a:schemeClr val="lt1"/>
+    </dgm:txFillClrLst>
+    <dgm:txEffectClrLst/>
+  </dgm:styleLbl>
+  <dgm:styleLbl name="sibTrans2D1">
+    <dgm:fillClrLst meth="repeat">
+      <a:schemeClr val="accent1">
+        <a:tint val="60000"/>
+      </a:schemeClr>
+    </dgm:fillClrLst>
+    <dgm:linClrLst meth="repeat">
+      <a:schemeClr val="accent1">
+        <a:tint val="60000"/>
+      </a:schemeClr>
+    </dgm:linClrLst>
+    <dgm:effectClrLst/>
+    <dgm:txLinClrLst/>
+    <dgm:txFillClrLst/>
+    <dgm:txEffectClrLst/>
+  </dgm:styleLbl>
+  <dgm:styleLbl name="fgSibTrans2D1">
+    <dgm:fillClrLst meth="repeat">
+      <a:schemeClr val="accent1">
+        <a:tint val="60000"/>
+      </a:schemeClr>
+    </dgm:fillClrLst>
+    <dgm:linClrLst meth="repeat">
+      <a:schemeClr val="accent1">
+        <a:tint val="60000"/>
+      </a:schemeClr>
+    </dgm:linClrLst>
+    <dgm:effectClrLst/>
+    <dgm:txLinClrLst/>
+    <dgm:txFillClrLst/>
+    <dgm:txEffectClrLst/>
+  </dgm:styleLbl>
+  <dgm:styleLbl name="bgSibTrans2D1">
+    <dgm:fillClrLst meth="repeat">
+      <a:schemeClr val="accent1">
+        <a:tint val="60000"/>
+      </a:schemeClr>
+    </dgm:fillClrLst>
+    <dgm:linClrLst meth="repeat">
+      <a:schemeClr val="accent1">
+        <a:tint val="60000"/>
+      </a:schemeClr>
+    </dgm:linClrLst>
+    <dgm:effectClrLst/>
+    <dgm:txLinClrLst/>
+    <dgm:txFillClrLst/>
+    <dgm:txEffectClrLst/>
+  </dgm:styleLbl>
+  <dgm:styleLbl name="sibTrans1D1">
+    <dgm:fillClrLst meth="repeat">
+      <a:schemeClr val="accent1"/>
+    </dgm:fillClrLst>
+    <dgm:linClrLst meth="repeat">
+      <a:schemeClr val="accent1"/>
+    </dgm:linClrLst>
+    <dgm:effectClrLst/>
+    <dgm:txLinClrLst/>
+    <dgm:txFillClrLst meth="repeat">
+      <a:schemeClr val="tx1"/>
+    </dgm:txFillClrLst>
+    <dgm:txEffectClrLst/>
+  </dgm:styleLbl>
+  <dgm:styleLbl name="callout">
+    <dgm:fillClrLst meth="repeat">
+      <a:schemeClr val="accent1"/>
+    </dgm:fillClrLst>
+    <dgm:linClrLst meth="repeat">
+      <a:schemeClr val="accent1">
+        <a:tint val="50000"/>
+      </a:schemeClr>
+    </dgm:linClrLst>
+    <dgm:effectClrLst/>
+    <dgm:txLinClrLst/>
+    <dgm:txFillClrLst meth="repeat">
+      <a:schemeClr val="tx1"/>
+    </dgm:txFillClrLst>
+    <dgm:txEffectClrLst/>
+  </dgm:styleLbl>
+  <dgm:styleLbl name="asst0">
+    <dgm:fillClrLst meth="repeat">
+      <a:schemeClr val="accent1"/>
+    </dgm:fillClrLst>
+    <dgm:linClrLst meth="repeat">
+      <a:schemeClr val="lt1"/>
+    </dgm:linClrLst>
+    <dgm:effectClrLst/>
+    <dgm:txLinClrLst/>
+    <dgm:txFillClrLst/>
+    <dgm:txEffectClrLst/>
+  </dgm:styleLbl>
+  <dgm:styleLbl name="asst1">
+    <dgm:fillClrLst meth="repeat">
+      <a:schemeClr val="accent1"/>
+    </dgm:fillClrLst>
+    <dgm:linClrLst meth="repeat">
+      <a:schemeClr val="lt1"/>
+    </dgm:linClrLst>
+    <dgm:effectClrLst/>
+    <dgm:txLinClrLst/>
+    <dgm:txFillClrLst/>
+    <dgm:txEffectClrLst/>
+  </dgm:styleLbl>
+  <dgm:styleLbl name="asst2">
+    <dgm:fillClrLst meth="repeat">
+      <a:schemeClr val="accent1"/>
+    </dgm:fillClrLst>
+    <dgm:linClrLst meth="repeat">
+      <a:schemeClr val="lt1"/>
+    </dgm:linClrLst>
+    <dgm:effectClrLst/>
+    <dgm:txLinClrLst/>
+    <dgm:txFillClrLst/>
+    <dgm:txEffectClrLst/>
+  </dgm:styleLbl>
+  <dgm:styleLbl name="asst3">
+    <dgm:fillClrLst meth="repeat">
+      <a:schemeClr val="accent1"/>
+    </dgm:fillClrLst>
+    <dgm:linClrLst meth="repeat">
+      <a:schemeClr val="lt1"/>
+    </dgm:linClrLst>
+    <dgm:effectClrLst/>
+    <dgm:txLinClrLst/>
+    <dgm:txFillClrLst/>
+    <dgm:txEffectClrLst/>
+  </dgm:styleLbl>
+  <dgm:styleLbl name="asst4">
+    <dgm:fillClrLst meth="repeat">
+      <a:schemeClr val="accent1"/>
+    </dgm:fillClrLst>
+    <dgm:linClrLst meth="repeat">
+      <a:schemeClr val="lt1"/>
+    </dgm:linClrLst>
+    <dgm:effectClrLst/>
+    <dgm:txLinClrLst/>
+    <dgm:txFillClrLst/>
+    <dgm:txEffectClrLst/>
+  </dgm:styleLbl>
+  <dgm:styleLbl name="parChTrans2D1">
+    <dgm:fillClrLst meth="repeat">
+      <a:schemeClr val="accent1">
+        <a:tint val="60000"/>
+      </a:schemeClr>
+    </dgm:fillClrLst>
+    <dgm:linClrLst meth="repeat">
+      <a:schemeClr val="accent1">
+        <a:tint val="60000"/>
+      </a:schemeClr>
+    </dgm:linClrLst>
+    <dgm:effectClrLst/>
+    <dgm:txLinClrLst/>
+    <dgm:txFillClrLst meth="repeat">
+      <a:schemeClr val="lt1"/>
+    </dgm:txFillClrLst>
+    <dgm:txEffectClrLst/>
+  </dgm:styleLbl>
+  <dgm:styleLbl name="parChTrans2D2">
+    <dgm:fillClrLst meth="repeat">
+      <a:schemeClr val="accent1"/>
+    </dgm:fillClrLst>
+    <dgm:linClrLst meth="repeat">
+      <a:schemeClr val="accent1"/>
+    </dgm:linClrLst>
+    <dgm:effectClrLst/>
+    <dgm:txLinClrLst/>
+    <dgm:txFillClrLst meth="repeat">
+      <a:schemeClr val="lt1"/>
+    </dgm:txFillClrLst>
+    <dgm:txEffectClrLst/>
+  </dgm:styleLbl>
+  <dgm:styleLbl name="parChTrans2D3">
+    <dgm:fillClrLst meth="repeat">
+      <a:schemeClr val="accent1"/>
+    </dgm:fillClrLst>
+    <dgm:linClrLst meth="repeat">
+      <a:schemeClr val="accent1"/>
+    </dgm:linClrLst>
+    <dgm:effectClrLst/>
+    <dgm:txLinClrLst/>
+    <dgm:txFillClrLst meth="repeat">
+      <a:schemeClr val="lt1"/>
+    </dgm:txFillClrLst>
+    <dgm:txEffectClrLst/>
+  </dgm:styleLbl>
+  <dgm:styleLbl name="parChTrans2D4">
+    <dgm:fillClrLst meth="repeat">
+      <a:schemeClr val="accent1"/>
+    </dgm:fillClrLst>
+    <dgm:linClrLst meth="repeat">
+      <a:schemeClr val="accent1"/>
+    </dgm:linClrLst>
+    <dgm:effectClrLst/>
+    <dgm:txLinClrLst/>
+    <dgm:txFillClrLst meth="repeat">
+      <a:schemeClr val="lt1"/>
+    </dgm:txFillClrLst>
+    <dgm:txEffectClrLst/>
+  </dgm:styleLbl>
+  <dgm:styleLbl name="parChTrans1D1">
+    <dgm:fillClrLst meth="repeat">
+      <a:schemeClr val="accent1"/>
+    </dgm:fillClrLst>
+    <dgm:linClrLst meth="repeat">
+      <a:schemeClr val="accent1">
+        <a:shade val="60000"/>
+      </a:schemeClr>
+    </dgm:linClrLst>
+    <dgm:effectClrLst/>
+    <dgm:txLinClrLst/>
+    <dgm:txFillClrLst meth="repeat">
+      <a:schemeClr val="tx1"/>
+    </dgm:txFillClrLst>
+    <dgm:txEffectClrLst/>
+  </dgm:styleLbl>
+  <dgm:styleLbl name="parChTrans1D2">
+    <dgm:fillClrLst meth="repeat">
+      <a:schemeClr val="accent1"/>
+    </dgm:fillClrLst>
+    <dgm:linClrLst meth="repeat">
+      <a:schemeClr val="accent1">
+        <a:shade val="60000"/>
+      </a:schemeClr>
+    </dgm:linClrLst>
+    <dgm:effectClrLst/>
+    <dgm:txLinClrLst/>
+    <dgm:txFillClrLst meth="repeat">
+      <a:schemeClr val="tx1"/>
+    </dgm:txFillClrLst>
+    <dgm:txEffectClrLst/>
+  </dgm:styleLbl>
+  <dgm:styleLbl name="parChTrans1D3">
+    <dgm:fillClrLst meth="repeat">
+      <a:schemeClr val="accent1"/>
+    </dgm:fillClrLst>
+    <dgm:linClrLst meth="repeat">
+      <a:schemeClr val="accent1">
+        <a:shade val="80000"/>
+      </a:schemeClr>
+    </dgm:linClrLst>
+    <dgm:effectClrLst/>
+    <dgm:txLinClrLst/>
+    <dgm:txFillClrLst meth="repeat">
+      <a:schemeClr val="tx1"/>
+    </dgm:txFillClrLst>
+    <dgm:txEffectClrLst/>
+  </dgm:styleLbl>
+  <dgm:styleLbl name="parChTrans1D4">
+    <dgm:fillClrLst meth="repeat">
+      <a:schemeClr val="accent1"/>
+    </dgm:fillClrLst>
+    <dgm:linClrLst meth="repeat">
+      <a:schemeClr val="accent1">
+        <a:shade val="80000"/>
+      </a:schemeClr>
+    </dgm:linClrLst>
+    <dgm:effectClrLst/>
+    <dgm:txLinClrLst/>
+    <dgm:txFillClrLst meth="repeat">
+      <a:schemeClr val="tx1"/>
+    </dgm:txFillClrLst>
+    <dgm:txEffectClrLst/>
+  </dgm:styleLbl>
+  <dgm:styleLbl name="fgAcc1">
+    <dgm:fillClrLst meth="repeat">
+      <a:schemeClr val="lt1">
+        <a:alpha val="90000"/>
+      </a:schemeClr>
+    </dgm:fillClrLst>
+    <dgm:linClrLst meth="repeat">
+      <a:schemeClr val="accent1"/>
+    </dgm:linClrLst>
+    <dgm:effectClrLst/>
+    <dgm:txLinClrLst/>
+    <dgm:txFillClrLst meth="repeat">
+      <a:schemeClr val="dk1"/>
+    </dgm:txFillClrLst>
+    <dgm:txEffectClrLst/>
+  </dgm:styleLbl>
+  <dgm:styleLbl name="conFgAcc1">
+    <dgm:fillClrLst meth="repeat">
+      <a:schemeClr val="lt1">
+        <a:alpha val="90000"/>
+      </a:schemeClr>
+    </dgm:fillClrLst>
+    <dgm:linClrLst meth="repeat">
+      <a:schemeClr val="accent1"/>
+    </dgm:linClrLst>
+    <dgm:effectClrLst/>
+    <dgm:txLinClrLst/>
+    <dgm:txFillClrLst meth="repeat">
+      <a:schemeClr val="dk1"/>
+    </dgm:txFillClrLst>
+    <dgm:txEffectClrLst/>
+  </dgm:styleLbl>
+  <dgm:styleLbl name="alignAcc1">
+    <dgm:fillClrLst meth="repeat">
+      <a:schemeClr val="lt1">
+        <a:alpha val="90000"/>
+      </a:schemeClr>
+    </dgm:fillClrLst>
+    <dgm:linClrLst meth="repeat">
+      <a:schemeClr val="accent1"/>
+    </dgm:linClrLst>
+    <dgm:effectClrLst/>
+    <dgm:txLinClrLst/>
+    <dgm:txFillClrLst meth="repeat">
+      <a:schemeClr val="dk1"/>
+    </dgm:txFillClrLst>
+    <dgm:txEffectClrLst/>
+  </dgm:styleLbl>
+  <dgm:styleLbl name="trAlignAcc1">
+    <dgm:fillClrLst meth="repeat">
+      <a:schemeClr val="lt1">
+        <a:alpha val="40000"/>
+      </a:schemeClr>
+    </dgm:fillClrLst>
+    <dgm:linClrLst meth="repeat">
+      <a:schemeClr val="accent1"/>
+    </dgm:linClrLst>
+    <dgm:effectClrLst/>
+    <dgm:txLinClrLst/>
+    <dgm:txFillClrLst meth="repeat">
+      <a:schemeClr val="dk1"/>
+    </dgm:txFillClrLst>
+    <dgm:txEffectClrLst/>
+  </dgm:styleLbl>
+  <dgm:styleLbl name="bgAcc1">
+    <dgm:fillClrLst meth="repeat">
+      <a:schemeClr val="lt1">
+        <a:alpha val="90000"/>
+      </a:schemeClr>
+    </dgm:fillClrLst>
+    <dgm:linClrLst meth="repeat">
+      <a:schemeClr val="accent1"/>
+    </dgm:linClrLst>
+    <dgm:effectClrLst/>
+    <dgm:txLinClrLst/>
+    <dgm:txFillClrLst meth="repeat">
+      <a:schemeClr val="dk1"/>
+    </dgm:txFillClrLst>
+    <dgm:txEffectClrLst/>
+  </dgm:styleLbl>
+  <dgm:styleLbl name="solidFgAcc1">
+    <dgm:fillClrLst meth="repeat">
+      <a:schemeClr val="lt1"/>
+    </dgm:fillClrLst>
+    <dgm:linClrLst meth="repeat">
+      <a:schemeClr val="accent1"/>
+    </dgm:linClrLst>
+    <dgm:effectClrLst/>
+    <dgm:txLinClrLst/>
+    <dgm:txFillClrLst meth="repeat">
+      <a:schemeClr val="dk1"/>
+    </dgm:txFillClrLst>
+    <dgm:txEffectClrLst/>
+  </dgm:styleLbl>
+  <dgm:styleLbl name="solidAlignAcc1">
+    <dgm:fillClrLst meth="repeat">
+      <a:schemeClr val="lt1"/>
+    </dgm:fillClrLst>
+    <dgm:linClrLst meth="repeat">
+      <a:schemeClr val="accent1"/>
+    </dgm:linClrLst>
+    <dgm:effectClrLst/>
+    <dgm:txLinClrLst/>
+    <dgm:txFillClrLst meth="repeat">
+      <a:schemeClr val="dk1"/>
+    </dgm:txFillClrLst>
+    <dgm:txEffectClrLst/>
+  </dgm:styleLbl>
+  <dgm:styleLbl name="solidBgAcc1">
+    <dgm:fillClrLst meth="repeat">
+      <a:schemeClr val="lt1"/>
+    </dgm:fillClrLst>
+    <dgm:linClrLst meth="repeat">
+      <a:schemeClr val="accent1"/>
+    </dgm:linClrLst>
+    <dgm:effectClrLst/>
+    <dgm:txLinClrLst/>
+    <dgm:txFillClrLst meth="repeat">
+      <a:schemeClr val="dk1"/>
+    </dgm:txFillClrLst>
+    <dgm:txEffectClrLst/>
+  </dgm:styleLbl>
+  <dgm:styleLbl name="fgAccFollowNode1">
+    <dgm:fillClrLst meth="repeat">
+      <a:schemeClr val="accent1">
+        <a:alpha val="90000"/>
+        <a:tint val="40000"/>
+      </a:schemeClr>
+    </dgm:fillClrLst>
+    <dgm:linClrLst meth="repeat">
+      <a:schemeClr val="accent1">
+        <a:alpha val="90000"/>
+        <a:tint val="40000"/>
+      </a:schemeClr>
+    </dgm:linClrLst>
+    <dgm:effectClrLst/>
+    <dgm:txLinClrLst/>
+    <dgm:txFillClrLst meth="repeat">
+      <a:schemeClr val="dk1"/>
+    </dgm:txFillClrLst>
+    <dgm:txEffectClrLst/>
+  </dgm:styleLbl>
+  <dgm:styleLbl name="alignAccFollowNode1">
+    <dgm:fillClrLst meth="repeat">
+      <a:schemeClr val="accent1">
+        <a:alpha val="90000"/>
+        <a:tint val="40000"/>
+      </a:schemeClr>
+    </dgm:fillClrLst>
+    <dgm:linClrLst meth="repeat">
+      <a:schemeClr val="accent1">
+        <a:alpha val="90000"/>
+        <a:tint val="40000"/>
+      </a:schemeClr>
+    </dgm:linClrLst>
+    <dgm:effectClrLst/>
+    <dgm:txLinClrLst/>
+    <dgm:txFillClrLst meth="repeat">
+      <a:schemeClr val="dk1"/>
+    </dgm:txFillClrLst>
+    <dgm:txEffectClrLst/>
+  </dgm:styleLbl>
+  <dgm:styleLbl name="bgAccFollowNode1">
+    <dgm:fillClrLst meth="repeat">
+      <a:schemeClr val="accent1">
+        <a:alpha val="90000"/>
+        <a:tint val="40000"/>
+      </a:schemeClr>
+    </dgm:fillClrLst>
+    <dgm:linClrLst meth="repeat">
+      <a:schemeClr val="accent1">
+        <a:alpha val="90000"/>
+        <a:tint val="40000"/>
+      </a:schemeClr>
+    </dgm:linClrLst>
+    <dgm:effectClrLst/>
+    <dgm:txLinClrLst/>
+    <dgm:txFillClrLst meth="repeat">
+      <a:schemeClr val="dk1"/>
+    </dgm:txFillClrLst>
+    <dgm:txEffectClrLst/>
+  </dgm:styleLbl>
+  <dgm:styleLbl name="fgAcc0">
+    <dgm:fillClrLst meth="repeat">
+      <a:schemeClr val="lt1">
+        <a:alpha val="90000"/>
+      </a:schemeClr>
+    </dgm:fillClrLst>
+    <dgm:linClrLst meth="repeat">
+      <a:schemeClr val="accent1"/>
+    </dgm:linClrLst>
+    <dgm:effectClrLst/>
+    <dgm:txLinClrLst/>
+    <dgm:txFillClrLst meth="repeat">
+      <a:schemeClr val="dk1"/>
+    </dgm:txFillClrLst>
+    <dgm:txEffectClrLst/>
+  </dgm:styleLbl>
+  <dgm:styleLbl name="fgAcc2">
+    <dgm:fillClrLst meth="repeat">
+      <a:schemeClr val="lt1">
+        <a:alpha val="90000"/>
+      </a:schemeClr>
+    </dgm:fillClrLst>
+    <dgm:linClrLst meth="repeat">
+      <a:schemeClr val="accent1"/>
+    </dgm:linClrLst>
+    <dgm:effectClrLst/>
+    <dgm:txLinClrLst/>
+    <dgm:txFillClrLst meth="repeat">
+      <a:schemeClr val="dk1"/>
+    </dgm:txFillClrLst>
+    <dgm:txEffectClrLst/>
+  </dgm:styleLbl>
+  <dgm:styleLbl name="fgAcc3">
+    <dgm:fillClrLst meth="repeat">
+      <a:schemeClr val="lt1">
+        <a:alpha val="90000"/>
+      </a:schemeClr>
+    </dgm:fillClrLst>
+    <dgm:linClrLst meth="repeat">
+      <a:schemeClr val="accent1"/>
+    </dgm:linClrLst>
+    <dgm:effectClrLst/>
+    <dgm:txLinClrLst/>
+    <dgm:txFillClrLst meth="repeat">
+      <a:schemeClr val="dk1"/>
+    </dgm:txFillClrLst>
+    <dgm:txEffectClrLst/>
+  </dgm:styleLbl>
+  <dgm:styleLbl name="fgAcc4">
+    <dgm:fillClrLst meth="repeat">
+      <a:schemeClr val="lt1">
+        <a:alpha val="90000"/>
+      </a:schemeClr>
+    </dgm:fillClrLst>
+    <dgm:linClrLst meth="repeat">
+      <a:schemeClr val="accent1"/>
+    </dgm:linClrLst>
+    <dgm:effectClrLst/>
+    <dgm:txLinClrLst/>
+    <dgm:txFillClrLst meth="repeat">
+      <a:schemeClr val="dk1"/>
+    </dgm:txFillClrLst>
+    <dgm:txEffectClrLst/>
+  </dgm:styleLbl>
+  <dgm:styleLbl name="bgShp">
+    <dgm:fillClrLst meth="repeat">
+      <a:schemeClr val="accent1">
+        <a:tint val="40000"/>
+      </a:schemeClr>
+    </dgm:fillClrLst>
+    <dgm:linClrLst meth="repeat">
+      <a:schemeClr val="accent1"/>
+    </dgm:linClrLst>
+    <dgm:effectClrLst/>
+    <dgm:txLinClrLst/>
+    <dgm:txFillClrLst meth="repeat">
+      <a:schemeClr val="dk1"/>
+    </dgm:txFillClrLst>
+    <dgm:txEffectClrLst/>
+  </dgm:styleLbl>
+  <dgm:styleLbl name="dkBgShp">
+    <dgm:fillClrLst meth="repeat">
+      <a:schemeClr val="accent1">
+        <a:shade val="80000"/>
+      </a:schemeClr>
+    </dgm:fillClrLst>
+    <dgm:linClrLst meth="repeat">
+      <a:schemeClr val="accent1"/>
+    </dgm:linClrLst>
+    <dgm:effectClrLst/>
+    <dgm:txLinClrLst/>
+    <dgm:txFillClrLst meth="repeat">
+      <a:schemeClr val="lt1"/>
+    </dgm:txFillClrLst>
+    <dgm:txEffectClrLst/>
+  </dgm:styleLbl>
+  <dgm:styleLbl name="trBgShp">
+    <dgm:fillClrLst meth="repeat">
+      <a:schemeClr val="accent1">
+        <a:tint val="50000"/>
+        <a:alpha val="40000"/>
+      </a:schemeClr>
+    </dgm:fillClrLst>
+    <dgm:linClrLst meth="repeat">
+      <a:schemeClr val="accent1"/>
+    </dgm:linClrLst>
+    <dgm:effectClrLst/>
+    <dgm:txLinClrLst/>
+    <dgm:txFillClrLst meth="repeat">
+      <a:schemeClr val="lt1"/>
+    </dgm:txFillClrLst>
+    <dgm:txEffectClrLst/>
+  </dgm:styleLbl>
+  <dgm:styleLbl name="fgShp">
+    <dgm:fillClrLst meth="repeat">
+      <a:schemeClr val="accent1">
+        <a:tint val="60000"/>
+      </a:schemeClr>
+    </dgm:fillClrLst>
+    <dgm:linClrLst meth="repeat">
+      <a:schemeClr val="lt1"/>
+    </dgm:linClrLst>
+    <dgm:effectClrLst/>
+    <dgm:txLinClrLst/>
+    <dgm:txFillClrLst meth="repeat">
+      <a:schemeClr val="dk1"/>
+    </dgm:txFillClrLst>
+    <dgm:txEffectClrLst/>
+  </dgm:styleLbl>
+  <dgm:styleLbl name="revTx">
+    <dgm:fillClrLst meth="repeat">
+      <a:schemeClr val="lt1">
+        <a:alpha val="0"/>
+      </a:schemeClr>
+    </dgm:fillClrLst>
+    <dgm:linClrLst meth="repeat">
+      <a:schemeClr val="dk1">
+        <a:alpha val="0"/>
+      </a:schemeClr>
+    </dgm:linClrLst>
+    <dgm:effectClrLst/>
+    <dgm:txLinClrLst/>
+    <dgm:txFillClrLst meth="repeat">
+      <a:schemeClr val="tx1"/>
+    </dgm:txFillClrLst>
+    <dgm:txEffectClrLst/>
+  </dgm:styleLbl>
+</dgm:colorsDef>
+</file>
+
 <file path=ppt/diagrams/data1.xml><?xml version="1.0" encoding="utf-8"?>
+<dgm:dataModel xmlns:dgm="http://schemas.openxmlformats.org/drawingml/2006/diagram" xmlns:a="http://schemas.openxmlformats.org/drawingml/2006/main">
+  <dgm:ptLst>
+    <dgm:pt modelId="{25FDADB5-6EA3-4B5C-92F0-3CECD4C5E025}" type="doc">
+      <dgm:prSet loTypeId="urn:microsoft.com/office/officeart/2005/8/layout/vList2" loCatId="list" qsTypeId="urn:microsoft.com/office/officeart/2005/8/quickstyle/simple1" qsCatId="simple" csTypeId="urn:microsoft.com/office/officeart/2005/8/colors/accent1_2" csCatId="accent1" phldr="1"/>
+      <dgm:spPr/>
+      <dgm:t>
+        <a:bodyPr/>
+        <a:lstStyle/>
+        <a:p>
+          <a:endParaRPr lang="fr-FR"/>
+        </a:p>
+      </dgm:t>
+    </dgm:pt>
+    <dgm:pt modelId="{FD563A9E-7162-4434-B671-3774E0ECC572}">
+      <dgm:prSet/>
+      <dgm:spPr/>
+      <dgm:t>
+        <a:bodyPr/>
+        <a:lstStyle/>
+        <a:p>
+          <a:r>
+            <a:rPr lang="en-GB" dirty="0"/>
+            <a:t>BS5 Pricing Page Project</a:t>
+          </a:r>
+          <a:endParaRPr lang="fr-FR" dirty="0"/>
+        </a:p>
+      </dgm:t>
+    </dgm:pt>
+    <dgm:pt modelId="{78933035-59C0-4DC3-9317-330E469CD1EA}" type="parTrans" cxnId="{A595817C-B881-43AF-87E1-409FC809337C}">
+      <dgm:prSet/>
+      <dgm:spPr/>
+      <dgm:t>
+        <a:bodyPr/>
+        <a:lstStyle/>
+        <a:p>
+          <a:endParaRPr lang="fr-FR"/>
+        </a:p>
+      </dgm:t>
+    </dgm:pt>
+    <dgm:pt modelId="{8F8A81F5-B8CA-497B-B2B7-2E1F70EC7037}" type="sibTrans" cxnId="{A595817C-B881-43AF-87E1-409FC809337C}">
+      <dgm:prSet/>
+      <dgm:spPr/>
+      <dgm:t>
+        <a:bodyPr/>
+        <a:lstStyle/>
+        <a:p>
+          <a:endParaRPr lang="fr-FR"/>
+        </a:p>
+      </dgm:t>
+    </dgm:pt>
+    <dgm:pt modelId="{4C1A6729-0A00-4223-95CD-105F33F523F4}">
+      <dgm:prSet/>
+      <dgm:spPr/>
+      <dgm:t>
+        <a:bodyPr/>
+        <a:lstStyle/>
+        <a:p>
+          <a:r>
+            <a:rPr lang="en-GB" dirty="0"/>
+            <a:t>JavaScript + BS5 To-do App Project</a:t>
+          </a:r>
+          <a:endParaRPr lang="fr-FR" dirty="0"/>
+        </a:p>
+      </dgm:t>
+    </dgm:pt>
+    <dgm:pt modelId="{D4FFE73A-4FC5-432B-A857-42B4E513B27F}" type="parTrans" cxnId="{90470927-215A-4F12-8C3D-B08C68B14560}">
+      <dgm:prSet/>
+      <dgm:spPr/>
+      <dgm:t>
+        <a:bodyPr/>
+        <a:lstStyle/>
+        <a:p>
+          <a:endParaRPr lang="fr-FR"/>
+        </a:p>
+      </dgm:t>
+    </dgm:pt>
+    <dgm:pt modelId="{7D2CD819-BFF6-4299-9790-0B04C0925FAF}" type="sibTrans" cxnId="{90470927-215A-4F12-8C3D-B08C68B14560}">
+      <dgm:prSet/>
+      <dgm:spPr/>
+      <dgm:t>
+        <a:bodyPr/>
+        <a:lstStyle/>
+        <a:p>
+          <a:endParaRPr lang="fr-FR"/>
+        </a:p>
+      </dgm:t>
+    </dgm:pt>
+    <dgm:pt modelId="{6B456928-3541-4B31-B850-BB558CE84C15}">
+      <dgm:prSet/>
+      <dgm:spPr/>
+      <dgm:t>
+        <a:bodyPr/>
+        <a:lstStyle/>
+        <a:p>
+          <a:r>
+            <a:rPr lang="en-GB" dirty="0"/>
+            <a:t>Questions</a:t>
+          </a:r>
+          <a:endParaRPr lang="fr-FR" dirty="0"/>
+        </a:p>
+      </dgm:t>
+    </dgm:pt>
+    <dgm:pt modelId="{A0FC3258-6342-4AD5-ADBB-3AE1207EC263}" type="parTrans" cxnId="{C9201D2D-9392-47DB-9603-81224A8740AE}">
+      <dgm:prSet/>
+      <dgm:spPr/>
+      <dgm:t>
+        <a:bodyPr/>
+        <a:lstStyle/>
+        <a:p>
+          <a:endParaRPr lang="fr-FR"/>
+        </a:p>
+      </dgm:t>
+    </dgm:pt>
+    <dgm:pt modelId="{8964D7B6-AEBC-4415-98A0-BA0DA4CDEE61}" type="sibTrans" cxnId="{C9201D2D-9392-47DB-9603-81224A8740AE}">
+      <dgm:prSet/>
+      <dgm:spPr/>
+      <dgm:t>
+        <a:bodyPr/>
+        <a:lstStyle/>
+        <a:p>
+          <a:endParaRPr lang="fr-FR"/>
+        </a:p>
+      </dgm:t>
+    </dgm:pt>
+    <dgm:pt modelId="{05DCD8A6-0DCB-4331-A7D0-9A7C3390D281}">
+      <dgm:prSet/>
+      <dgm:spPr/>
+      <dgm:t>
+        <a:bodyPr/>
+        <a:lstStyle/>
+        <a:p>
+          <a:r>
+            <a:rPr lang="en-GB"/>
+            <a:t>JavaScript Foundation</a:t>
+          </a:r>
+          <a:endParaRPr lang="fr-FR" dirty="0"/>
+        </a:p>
+      </dgm:t>
+    </dgm:pt>
+    <dgm:pt modelId="{E477B76A-BBDF-4E7E-92E8-7B9FDD76D4DD}" type="parTrans" cxnId="{D4A3F91A-154B-4EC0-A780-F104C5C7758F}">
+      <dgm:prSet/>
+      <dgm:spPr/>
+      <dgm:t>
+        <a:bodyPr/>
+        <a:lstStyle/>
+        <a:p>
+          <a:endParaRPr lang="fr-FR"/>
+        </a:p>
+      </dgm:t>
+    </dgm:pt>
+    <dgm:pt modelId="{110578ED-D7AF-434E-9F52-464B2FAE15F4}" type="sibTrans" cxnId="{D4A3F91A-154B-4EC0-A780-F104C5C7758F}">
+      <dgm:prSet/>
+      <dgm:spPr/>
+      <dgm:t>
+        <a:bodyPr/>
+        <a:lstStyle/>
+        <a:p>
+          <a:endParaRPr lang="fr-FR"/>
+        </a:p>
+      </dgm:t>
+    </dgm:pt>
+    <dgm:pt modelId="{1318305E-4CFE-4DB3-B72C-F8BD8D2C5C77}" type="pres">
+      <dgm:prSet presAssocID="{25FDADB5-6EA3-4B5C-92F0-3CECD4C5E025}" presName="linear" presStyleCnt="0">
+        <dgm:presLayoutVars>
+          <dgm:animLvl val="lvl"/>
+          <dgm:resizeHandles val="exact"/>
+        </dgm:presLayoutVars>
+      </dgm:prSet>
+      <dgm:spPr/>
+    </dgm:pt>
+    <dgm:pt modelId="{9C4D9890-CB67-4550-B30F-1147091B92A2}" type="pres">
+      <dgm:prSet presAssocID="{FD563A9E-7162-4434-B671-3774E0ECC572}" presName="parentText" presStyleLbl="node1" presStyleIdx="0" presStyleCnt="4">
+        <dgm:presLayoutVars>
+          <dgm:chMax val="0"/>
+          <dgm:bulletEnabled val="1"/>
+        </dgm:presLayoutVars>
+      </dgm:prSet>
+      <dgm:spPr/>
+    </dgm:pt>
+    <dgm:pt modelId="{EDF919CA-C7E4-4959-8283-851B17AFB1BD}" type="pres">
+      <dgm:prSet presAssocID="{8F8A81F5-B8CA-497B-B2B7-2E1F70EC7037}" presName="spacer" presStyleCnt="0"/>
+      <dgm:spPr/>
+    </dgm:pt>
+    <dgm:pt modelId="{9638B654-BED5-44DA-B9B7-60B750D90537}" type="pres">
+      <dgm:prSet presAssocID="{05DCD8A6-0DCB-4331-A7D0-9A7C3390D281}" presName="parentText" presStyleLbl="node1" presStyleIdx="1" presStyleCnt="4">
+        <dgm:presLayoutVars>
+          <dgm:chMax val="0"/>
+          <dgm:bulletEnabled val="1"/>
+        </dgm:presLayoutVars>
+      </dgm:prSet>
+      <dgm:spPr/>
+    </dgm:pt>
+    <dgm:pt modelId="{6657BDE4-ED31-4E6E-A003-362B65FF9530}" type="pres">
+      <dgm:prSet presAssocID="{110578ED-D7AF-434E-9F52-464B2FAE15F4}" presName="spacer" presStyleCnt="0"/>
+      <dgm:spPr/>
+    </dgm:pt>
+    <dgm:pt modelId="{3A7A5CE4-1104-4199-99C9-4D1595864D11}" type="pres">
+      <dgm:prSet presAssocID="{4C1A6729-0A00-4223-95CD-105F33F523F4}" presName="parentText" presStyleLbl="node1" presStyleIdx="2" presStyleCnt="4">
+        <dgm:presLayoutVars>
+          <dgm:chMax val="0"/>
+          <dgm:bulletEnabled val="1"/>
+        </dgm:presLayoutVars>
+      </dgm:prSet>
+      <dgm:spPr/>
+    </dgm:pt>
+    <dgm:pt modelId="{93FB897C-AE88-4BD7-9670-19B5DF62B1C6}" type="pres">
+      <dgm:prSet presAssocID="{7D2CD819-BFF6-4299-9790-0B04C0925FAF}" presName="spacer" presStyleCnt="0"/>
+      <dgm:spPr/>
+    </dgm:pt>
+    <dgm:pt modelId="{89976BB1-322B-4A27-B680-FCA615CCF343}" type="pres">
+      <dgm:prSet presAssocID="{6B456928-3541-4B31-B850-BB558CE84C15}" presName="parentText" presStyleLbl="node1" presStyleIdx="3" presStyleCnt="4">
+        <dgm:presLayoutVars>
+          <dgm:chMax val="0"/>
+          <dgm:bulletEnabled val="1"/>
+        </dgm:presLayoutVars>
+      </dgm:prSet>
+      <dgm:spPr/>
+    </dgm:pt>
+  </dgm:ptLst>
+  <dgm:cxnLst>
+    <dgm:cxn modelId="{D4A3F91A-154B-4EC0-A780-F104C5C7758F}" srcId="{25FDADB5-6EA3-4B5C-92F0-3CECD4C5E025}" destId="{05DCD8A6-0DCB-4331-A7D0-9A7C3390D281}" srcOrd="1" destOrd="0" parTransId="{E477B76A-BBDF-4E7E-92E8-7B9FDD76D4DD}" sibTransId="{110578ED-D7AF-434E-9F52-464B2FAE15F4}"/>
+    <dgm:cxn modelId="{90470927-215A-4F12-8C3D-B08C68B14560}" srcId="{25FDADB5-6EA3-4B5C-92F0-3CECD4C5E025}" destId="{4C1A6729-0A00-4223-95CD-105F33F523F4}" srcOrd="2" destOrd="0" parTransId="{D4FFE73A-4FC5-432B-A857-42B4E513B27F}" sibTransId="{7D2CD819-BFF6-4299-9790-0B04C0925FAF}"/>
+    <dgm:cxn modelId="{C9201D2D-9392-47DB-9603-81224A8740AE}" srcId="{25FDADB5-6EA3-4B5C-92F0-3CECD4C5E025}" destId="{6B456928-3541-4B31-B850-BB558CE84C15}" srcOrd="3" destOrd="0" parTransId="{A0FC3258-6342-4AD5-ADBB-3AE1207EC263}" sibTransId="{8964D7B6-AEBC-4415-98A0-BA0DA4CDEE61}"/>
+    <dgm:cxn modelId="{23448041-E4E8-4118-9EA8-19CADA2575C4}" type="presOf" srcId="{25FDADB5-6EA3-4B5C-92F0-3CECD4C5E025}" destId="{1318305E-4CFE-4DB3-B72C-F8BD8D2C5C77}" srcOrd="0" destOrd="0" presId="urn:microsoft.com/office/officeart/2005/8/layout/vList2"/>
+    <dgm:cxn modelId="{8D846678-001E-4005-85FD-A7B09BCAFCE0}" type="presOf" srcId="{4C1A6729-0A00-4223-95CD-105F33F523F4}" destId="{3A7A5CE4-1104-4199-99C9-4D1595864D11}" srcOrd="0" destOrd="0" presId="urn:microsoft.com/office/officeart/2005/8/layout/vList2"/>
+    <dgm:cxn modelId="{A595817C-B881-43AF-87E1-409FC809337C}" srcId="{25FDADB5-6EA3-4B5C-92F0-3CECD4C5E025}" destId="{FD563A9E-7162-4434-B671-3774E0ECC572}" srcOrd="0" destOrd="0" parTransId="{78933035-59C0-4DC3-9317-330E469CD1EA}" sibTransId="{8F8A81F5-B8CA-497B-B2B7-2E1F70EC7037}"/>
+    <dgm:cxn modelId="{AA5339C9-4B15-4B19-A1EC-7FA9E5D509F6}" type="presOf" srcId="{6B456928-3541-4B31-B850-BB558CE84C15}" destId="{89976BB1-322B-4A27-B680-FCA615CCF343}" srcOrd="0" destOrd="0" presId="urn:microsoft.com/office/officeart/2005/8/layout/vList2"/>
+    <dgm:cxn modelId="{5F532BD4-2221-40BE-ADCA-78C44201B81A}" type="presOf" srcId="{05DCD8A6-0DCB-4331-A7D0-9A7C3390D281}" destId="{9638B654-BED5-44DA-B9B7-60B750D90537}" srcOrd="0" destOrd="0" presId="urn:microsoft.com/office/officeart/2005/8/layout/vList2"/>
+    <dgm:cxn modelId="{323BA8DA-12D6-45D6-B8DC-7BBDD3C0791F}" type="presOf" srcId="{FD563A9E-7162-4434-B671-3774E0ECC572}" destId="{9C4D9890-CB67-4550-B30F-1147091B92A2}" srcOrd="0" destOrd="0" presId="urn:microsoft.com/office/officeart/2005/8/layout/vList2"/>
+    <dgm:cxn modelId="{9613303D-D96C-476A-A519-6F25098A8F82}" type="presParOf" srcId="{1318305E-4CFE-4DB3-B72C-F8BD8D2C5C77}" destId="{9C4D9890-CB67-4550-B30F-1147091B92A2}" srcOrd="0" destOrd="0" presId="urn:microsoft.com/office/officeart/2005/8/layout/vList2"/>
+    <dgm:cxn modelId="{70C89677-7AA3-44D5-989D-46F7128ED8E9}" type="presParOf" srcId="{1318305E-4CFE-4DB3-B72C-F8BD8D2C5C77}" destId="{EDF919CA-C7E4-4959-8283-851B17AFB1BD}" srcOrd="1" destOrd="0" presId="urn:microsoft.com/office/officeart/2005/8/layout/vList2"/>
+    <dgm:cxn modelId="{34030FAC-C89C-4770-BD5F-CDFEF8E88954}" type="presParOf" srcId="{1318305E-4CFE-4DB3-B72C-F8BD8D2C5C77}" destId="{9638B654-BED5-44DA-B9B7-60B750D90537}" srcOrd="2" destOrd="0" presId="urn:microsoft.com/office/officeart/2005/8/layout/vList2"/>
+    <dgm:cxn modelId="{C0A3596E-1A4E-4050-9F53-2649BEE9C906}" type="presParOf" srcId="{1318305E-4CFE-4DB3-B72C-F8BD8D2C5C77}" destId="{6657BDE4-ED31-4E6E-A003-362B65FF9530}" srcOrd="3" destOrd="0" presId="urn:microsoft.com/office/officeart/2005/8/layout/vList2"/>
+    <dgm:cxn modelId="{3315E2E3-52A3-4ABD-8EBA-A0521106C75E}" type="presParOf" srcId="{1318305E-4CFE-4DB3-B72C-F8BD8D2C5C77}" destId="{3A7A5CE4-1104-4199-99C9-4D1595864D11}" srcOrd="4" destOrd="0" presId="urn:microsoft.com/office/officeart/2005/8/layout/vList2"/>
+    <dgm:cxn modelId="{E01AB41F-3F0D-4F76-B880-E89057D063FC}" type="presParOf" srcId="{1318305E-4CFE-4DB3-B72C-F8BD8D2C5C77}" destId="{93FB897C-AE88-4BD7-9670-19B5DF62B1C6}" srcOrd="5" destOrd="0" presId="urn:microsoft.com/office/officeart/2005/8/layout/vList2"/>
+    <dgm:cxn modelId="{A31F42D6-AE32-42A2-86BA-E63123C46304}" type="presParOf" srcId="{1318305E-4CFE-4DB3-B72C-F8BD8D2C5C77}" destId="{89976BB1-322B-4A27-B680-FCA615CCF343}" srcOrd="6" destOrd="0" presId="urn:microsoft.com/office/officeart/2005/8/layout/vList2"/>
+  </dgm:cxnLst>
+  <dgm:bg/>
+  <dgm:whole/>
+  <dgm:extLst>
+    <a:ext uri="http://schemas.microsoft.com/office/drawing/2008/diagram">
+      <dsp:dataModelExt xmlns:dsp="http://schemas.microsoft.com/office/drawing/2008/diagram" relId="rId6" minVer="http://schemas.openxmlformats.org/drawingml/2006/diagram"/>
+    </a:ext>
+  </dgm:extLst>
+</dgm:dataModel>
+</file>
+
+<file path=ppt/diagrams/data2.xml><?xml version="1.0" encoding="utf-8"?>
 <dgm:dataModel xmlns:dgm="http://schemas.openxmlformats.org/drawingml/2006/diagram" xmlns:a="http://schemas.openxmlformats.org/drawingml/2006/main">
   <dgm:ptLst>
     <dgm:pt modelId="{202059D9-67CA-4C81-B1C7-56E42D527F15}" type="doc">
@@ -1967,7 +2963,7 @@
 </dgm:dataModel>
 </file>
 
-<file path=ppt/diagrams/data2.xml><?xml version="1.0" encoding="utf-8"?>
+<file path=ppt/diagrams/data3.xml><?xml version="1.0" encoding="utf-8"?>
 <dgm:dataModel xmlns:dgm="http://schemas.openxmlformats.org/drawingml/2006/diagram" xmlns:a="http://schemas.openxmlformats.org/drawingml/2006/main">
   <dgm:ptLst>
     <dgm:pt modelId="{202059D9-67CA-4C81-B1C7-56E42D527F15}" type="doc">
@@ -2529,6 +3525,330 @@
       <dsp:cNvGrpSpPr/>
     </dsp:nvGrpSpPr>
     <dsp:grpSpPr/>
+    <dsp:sp modelId="{9C4D9890-CB67-4550-B30F-1147091B92A2}">
+      <dsp:nvSpPr>
+        <dsp:cNvPr id="0" name=""/>
+        <dsp:cNvSpPr/>
+      </dsp:nvSpPr>
+      <dsp:spPr>
+        <a:xfrm>
+          <a:off x="0" y="24660"/>
+          <a:ext cx="10058399" cy="911430"/>
+        </a:xfrm>
+        <a:prstGeom prst="roundRect">
+          <a:avLst/>
+        </a:prstGeom>
+        <a:solidFill>
+          <a:schemeClr val="accent1">
+            <a:hueOff val="0"/>
+            <a:satOff val="0"/>
+            <a:lumOff val="0"/>
+            <a:alphaOff val="0"/>
+          </a:schemeClr>
+        </a:solidFill>
+        <a:ln w="15875" cap="flat" cmpd="sng" algn="ctr">
+          <a:solidFill>
+            <a:schemeClr val="lt1">
+              <a:hueOff val="0"/>
+              <a:satOff val="0"/>
+              <a:lumOff val="0"/>
+              <a:alphaOff val="0"/>
+            </a:schemeClr>
+          </a:solidFill>
+          <a:prstDash val="solid"/>
+        </a:ln>
+        <a:effectLst/>
+      </dsp:spPr>
+      <dsp:style>
+        <a:lnRef idx="2">
+          <a:scrgbClr r="0" g="0" b="0"/>
+        </a:lnRef>
+        <a:fillRef idx="1">
+          <a:scrgbClr r="0" g="0" b="0"/>
+        </a:fillRef>
+        <a:effectRef idx="0">
+          <a:scrgbClr r="0" g="0" b="0"/>
+        </a:effectRef>
+        <a:fontRef idx="minor">
+          <a:schemeClr val="lt1"/>
+        </a:fontRef>
+      </dsp:style>
+      <dsp:txBody>
+        <a:bodyPr spcFirstLastPara="0" vert="horz" wrap="square" lIns="144780" tIns="144780" rIns="144780" bIns="144780" numCol="1" spcCol="1270" anchor="ctr" anchorCtr="0">
+          <a:noAutofit/>
+        </a:bodyPr>
+        <a:lstStyle/>
+        <a:p>
+          <a:pPr marL="0" lvl="0" indent="0" algn="l" defTabSz="1689100">
+            <a:lnSpc>
+              <a:spcPct val="90000"/>
+            </a:lnSpc>
+            <a:spcBef>
+              <a:spcPct val="0"/>
+            </a:spcBef>
+            <a:spcAft>
+              <a:spcPct val="35000"/>
+            </a:spcAft>
+            <a:buNone/>
+          </a:pPr>
+          <a:r>
+            <a:rPr lang="en-GB" sz="3800" kern="1200" dirty="0"/>
+            <a:t>BS5 Pricing Page Project</a:t>
+          </a:r>
+          <a:endParaRPr lang="fr-FR" sz="3800" kern="1200" dirty="0"/>
+        </a:p>
+      </dsp:txBody>
+      <dsp:txXfrm>
+        <a:off x="44492" y="69152"/>
+        <a:ext cx="9969415" cy="822446"/>
+      </dsp:txXfrm>
+    </dsp:sp>
+    <dsp:sp modelId="{9638B654-BED5-44DA-B9B7-60B750D90537}">
+      <dsp:nvSpPr>
+        <dsp:cNvPr id="0" name=""/>
+        <dsp:cNvSpPr/>
+      </dsp:nvSpPr>
+      <dsp:spPr>
+        <a:xfrm>
+          <a:off x="0" y="1045530"/>
+          <a:ext cx="10058399" cy="911430"/>
+        </a:xfrm>
+        <a:prstGeom prst="roundRect">
+          <a:avLst/>
+        </a:prstGeom>
+        <a:solidFill>
+          <a:schemeClr val="accent1">
+            <a:hueOff val="0"/>
+            <a:satOff val="0"/>
+            <a:lumOff val="0"/>
+            <a:alphaOff val="0"/>
+          </a:schemeClr>
+        </a:solidFill>
+        <a:ln w="15875" cap="flat" cmpd="sng" algn="ctr">
+          <a:solidFill>
+            <a:schemeClr val="lt1">
+              <a:hueOff val="0"/>
+              <a:satOff val="0"/>
+              <a:lumOff val="0"/>
+              <a:alphaOff val="0"/>
+            </a:schemeClr>
+          </a:solidFill>
+          <a:prstDash val="solid"/>
+        </a:ln>
+        <a:effectLst/>
+      </dsp:spPr>
+      <dsp:style>
+        <a:lnRef idx="2">
+          <a:scrgbClr r="0" g="0" b="0"/>
+        </a:lnRef>
+        <a:fillRef idx="1">
+          <a:scrgbClr r="0" g="0" b="0"/>
+        </a:fillRef>
+        <a:effectRef idx="0">
+          <a:scrgbClr r="0" g="0" b="0"/>
+        </a:effectRef>
+        <a:fontRef idx="minor">
+          <a:schemeClr val="lt1"/>
+        </a:fontRef>
+      </dsp:style>
+      <dsp:txBody>
+        <a:bodyPr spcFirstLastPara="0" vert="horz" wrap="square" lIns="144780" tIns="144780" rIns="144780" bIns="144780" numCol="1" spcCol="1270" anchor="ctr" anchorCtr="0">
+          <a:noAutofit/>
+        </a:bodyPr>
+        <a:lstStyle/>
+        <a:p>
+          <a:pPr marL="0" lvl="0" indent="0" algn="l" defTabSz="1689100">
+            <a:lnSpc>
+              <a:spcPct val="90000"/>
+            </a:lnSpc>
+            <a:spcBef>
+              <a:spcPct val="0"/>
+            </a:spcBef>
+            <a:spcAft>
+              <a:spcPct val="35000"/>
+            </a:spcAft>
+            <a:buNone/>
+          </a:pPr>
+          <a:r>
+            <a:rPr lang="en-GB" sz="3800" kern="1200"/>
+            <a:t>JavaScript Foundation</a:t>
+          </a:r>
+          <a:endParaRPr lang="fr-FR" sz="3800" kern="1200" dirty="0"/>
+        </a:p>
+      </dsp:txBody>
+      <dsp:txXfrm>
+        <a:off x="44492" y="1090022"/>
+        <a:ext cx="9969415" cy="822446"/>
+      </dsp:txXfrm>
+    </dsp:sp>
+    <dsp:sp modelId="{3A7A5CE4-1104-4199-99C9-4D1595864D11}">
+      <dsp:nvSpPr>
+        <dsp:cNvPr id="0" name=""/>
+        <dsp:cNvSpPr/>
+      </dsp:nvSpPr>
+      <dsp:spPr>
+        <a:xfrm>
+          <a:off x="0" y="2066400"/>
+          <a:ext cx="10058399" cy="911430"/>
+        </a:xfrm>
+        <a:prstGeom prst="roundRect">
+          <a:avLst/>
+        </a:prstGeom>
+        <a:solidFill>
+          <a:schemeClr val="accent1">
+            <a:hueOff val="0"/>
+            <a:satOff val="0"/>
+            <a:lumOff val="0"/>
+            <a:alphaOff val="0"/>
+          </a:schemeClr>
+        </a:solidFill>
+        <a:ln w="15875" cap="flat" cmpd="sng" algn="ctr">
+          <a:solidFill>
+            <a:schemeClr val="lt1">
+              <a:hueOff val="0"/>
+              <a:satOff val="0"/>
+              <a:lumOff val="0"/>
+              <a:alphaOff val="0"/>
+            </a:schemeClr>
+          </a:solidFill>
+          <a:prstDash val="solid"/>
+        </a:ln>
+        <a:effectLst/>
+      </dsp:spPr>
+      <dsp:style>
+        <a:lnRef idx="2">
+          <a:scrgbClr r="0" g="0" b="0"/>
+        </a:lnRef>
+        <a:fillRef idx="1">
+          <a:scrgbClr r="0" g="0" b="0"/>
+        </a:fillRef>
+        <a:effectRef idx="0">
+          <a:scrgbClr r="0" g="0" b="0"/>
+        </a:effectRef>
+        <a:fontRef idx="minor">
+          <a:schemeClr val="lt1"/>
+        </a:fontRef>
+      </dsp:style>
+      <dsp:txBody>
+        <a:bodyPr spcFirstLastPara="0" vert="horz" wrap="square" lIns="144780" tIns="144780" rIns="144780" bIns="144780" numCol="1" spcCol="1270" anchor="ctr" anchorCtr="0">
+          <a:noAutofit/>
+        </a:bodyPr>
+        <a:lstStyle/>
+        <a:p>
+          <a:pPr marL="0" lvl="0" indent="0" algn="l" defTabSz="1689100">
+            <a:lnSpc>
+              <a:spcPct val="90000"/>
+            </a:lnSpc>
+            <a:spcBef>
+              <a:spcPct val="0"/>
+            </a:spcBef>
+            <a:spcAft>
+              <a:spcPct val="35000"/>
+            </a:spcAft>
+            <a:buNone/>
+          </a:pPr>
+          <a:r>
+            <a:rPr lang="en-GB" sz="3800" kern="1200" dirty="0"/>
+            <a:t>JavaScript + BS5 To-do App Project</a:t>
+          </a:r>
+          <a:endParaRPr lang="fr-FR" sz="3800" kern="1200" dirty="0"/>
+        </a:p>
+      </dsp:txBody>
+      <dsp:txXfrm>
+        <a:off x="44492" y="2110892"/>
+        <a:ext cx="9969415" cy="822446"/>
+      </dsp:txXfrm>
+    </dsp:sp>
+    <dsp:sp modelId="{89976BB1-322B-4A27-B680-FCA615CCF343}">
+      <dsp:nvSpPr>
+        <dsp:cNvPr id="0" name=""/>
+        <dsp:cNvSpPr/>
+      </dsp:nvSpPr>
+      <dsp:spPr>
+        <a:xfrm>
+          <a:off x="0" y="3087270"/>
+          <a:ext cx="10058399" cy="911430"/>
+        </a:xfrm>
+        <a:prstGeom prst="roundRect">
+          <a:avLst/>
+        </a:prstGeom>
+        <a:solidFill>
+          <a:schemeClr val="accent1">
+            <a:hueOff val="0"/>
+            <a:satOff val="0"/>
+            <a:lumOff val="0"/>
+            <a:alphaOff val="0"/>
+          </a:schemeClr>
+        </a:solidFill>
+        <a:ln w="15875" cap="flat" cmpd="sng" algn="ctr">
+          <a:solidFill>
+            <a:schemeClr val="lt1">
+              <a:hueOff val="0"/>
+              <a:satOff val="0"/>
+              <a:lumOff val="0"/>
+              <a:alphaOff val="0"/>
+            </a:schemeClr>
+          </a:solidFill>
+          <a:prstDash val="solid"/>
+        </a:ln>
+        <a:effectLst/>
+      </dsp:spPr>
+      <dsp:style>
+        <a:lnRef idx="2">
+          <a:scrgbClr r="0" g="0" b="0"/>
+        </a:lnRef>
+        <a:fillRef idx="1">
+          <a:scrgbClr r="0" g="0" b="0"/>
+        </a:fillRef>
+        <a:effectRef idx="0">
+          <a:scrgbClr r="0" g="0" b="0"/>
+        </a:effectRef>
+        <a:fontRef idx="minor">
+          <a:schemeClr val="lt1"/>
+        </a:fontRef>
+      </dsp:style>
+      <dsp:txBody>
+        <a:bodyPr spcFirstLastPara="0" vert="horz" wrap="square" lIns="144780" tIns="144780" rIns="144780" bIns="144780" numCol="1" spcCol="1270" anchor="ctr" anchorCtr="0">
+          <a:noAutofit/>
+        </a:bodyPr>
+        <a:lstStyle/>
+        <a:p>
+          <a:pPr marL="0" lvl="0" indent="0" algn="l" defTabSz="1689100">
+            <a:lnSpc>
+              <a:spcPct val="90000"/>
+            </a:lnSpc>
+            <a:spcBef>
+              <a:spcPct val="0"/>
+            </a:spcBef>
+            <a:spcAft>
+              <a:spcPct val="35000"/>
+            </a:spcAft>
+            <a:buNone/>
+          </a:pPr>
+          <a:r>
+            <a:rPr lang="en-GB" sz="3800" kern="1200" dirty="0"/>
+            <a:t>Questions</a:t>
+          </a:r>
+          <a:endParaRPr lang="fr-FR" sz="3800" kern="1200" dirty="0"/>
+        </a:p>
+      </dsp:txBody>
+      <dsp:txXfrm>
+        <a:off x="44492" y="3131762"/>
+        <a:ext cx="9969415" cy="822446"/>
+      </dsp:txXfrm>
+    </dsp:sp>
+  </dsp:spTree>
+</dsp:drawing>
+</file>
+
+<file path=ppt/diagrams/drawing2.xml><?xml version="1.0" encoding="utf-8"?>
+<dsp:drawing xmlns:dgm="http://schemas.openxmlformats.org/drawingml/2006/diagram" xmlns:dsp="http://schemas.microsoft.com/office/drawing/2008/diagram" xmlns:a="http://schemas.openxmlformats.org/drawingml/2006/main">
+  <dsp:spTree>
+    <dsp:nvGrpSpPr>
+      <dsp:cNvPr id="0" name=""/>
+      <dsp:cNvGrpSpPr/>
+    </dsp:nvGrpSpPr>
+    <dsp:grpSpPr/>
     <dsp:sp modelId="{8D519943-D52C-49F5-9C33-07AE09621CC7}">
       <dsp:nvSpPr>
         <dsp:cNvPr id="0" name=""/>
@@ -2872,7 +4192,7 @@
 </dsp:drawing>
 </file>
 
-<file path=ppt/diagrams/drawing2.xml><?xml version="1.0" encoding="utf-8"?>
+<file path=ppt/diagrams/drawing3.xml><?xml version="1.0" encoding="utf-8"?>
 <dsp:drawing xmlns:dgm="http://schemas.openxmlformats.org/drawingml/2006/diagram" xmlns:dsp="http://schemas.microsoft.com/office/drawing/2008/diagram" xmlns:a="http://schemas.openxmlformats.org/drawingml/2006/main">
   <dsp:spTree>
     <dsp:nvGrpSpPr>
@@ -3719,6 +5039,173 @@
 </dgm:layoutDef>
 </file>
 
+<file path=ppt/diagrams/layout3.xml><?xml version="1.0" encoding="utf-8"?>
+<dgm:layoutDef xmlns:dgm="http://schemas.openxmlformats.org/drawingml/2006/diagram" xmlns:a="http://schemas.openxmlformats.org/drawingml/2006/main" uniqueId="urn:microsoft.com/office/officeart/2005/8/layout/vList2">
+  <dgm:title val=""/>
+  <dgm:desc val=""/>
+  <dgm:catLst>
+    <dgm:cat type="list" pri="3000"/>
+    <dgm:cat type="convert" pri="1000"/>
+  </dgm:catLst>
+  <dgm:sampData>
+    <dgm:dataModel>
+      <dgm:ptLst>
+        <dgm:pt modelId="0" type="doc"/>
+        <dgm:pt modelId="1">
+          <dgm:prSet phldr="1"/>
+        </dgm:pt>
+        <dgm:pt modelId="11">
+          <dgm:prSet phldr="1"/>
+        </dgm:pt>
+        <dgm:pt modelId="2">
+          <dgm:prSet phldr="1"/>
+        </dgm:pt>
+        <dgm:pt modelId="21">
+          <dgm:prSet phldr="1"/>
+        </dgm:pt>
+      </dgm:ptLst>
+      <dgm:cxnLst>
+        <dgm:cxn modelId="4" srcId="0" destId="1" srcOrd="0" destOrd="0"/>
+        <dgm:cxn modelId="5" srcId="0" destId="2" srcOrd="1" destOrd="0"/>
+        <dgm:cxn modelId="12" srcId="1" destId="11" srcOrd="0" destOrd="0"/>
+        <dgm:cxn modelId="23" srcId="2" destId="21" srcOrd="0" destOrd="0"/>
+      </dgm:cxnLst>
+      <dgm:bg/>
+      <dgm:whole/>
+    </dgm:dataModel>
+  </dgm:sampData>
+  <dgm:styleData>
+    <dgm:dataModel>
+      <dgm:ptLst>
+        <dgm:pt modelId="0" type="doc"/>
+        <dgm:pt modelId="1"/>
+        <dgm:pt modelId="2"/>
+      </dgm:ptLst>
+      <dgm:cxnLst>
+        <dgm:cxn modelId="3" srcId="0" destId="1" srcOrd="0" destOrd="0"/>
+        <dgm:cxn modelId="4" srcId="0" destId="2" srcOrd="1" destOrd="0"/>
+      </dgm:cxnLst>
+      <dgm:bg/>
+      <dgm:whole/>
+    </dgm:dataModel>
+  </dgm:styleData>
+  <dgm:clrData>
+    <dgm:dataModel>
+      <dgm:ptLst>
+        <dgm:pt modelId="0" type="doc"/>
+        <dgm:pt modelId="1"/>
+        <dgm:pt modelId="2"/>
+        <dgm:pt modelId="3"/>
+        <dgm:pt modelId="4"/>
+      </dgm:ptLst>
+      <dgm:cxnLst>
+        <dgm:cxn modelId="5" srcId="0" destId="1" srcOrd="0" destOrd="0"/>
+        <dgm:cxn modelId="6" srcId="0" destId="2" srcOrd="1" destOrd="0"/>
+        <dgm:cxn modelId="7" srcId="0" destId="3" srcOrd="2" destOrd="0"/>
+        <dgm:cxn modelId="8" srcId="0" destId="4" srcOrd="3" destOrd="0"/>
+      </dgm:cxnLst>
+      <dgm:bg/>
+      <dgm:whole/>
+    </dgm:dataModel>
+  </dgm:clrData>
+  <dgm:layoutNode name="linear">
+    <dgm:varLst>
+      <dgm:animLvl val="lvl"/>
+      <dgm:resizeHandles val="exact"/>
+    </dgm:varLst>
+    <dgm:alg type="lin">
+      <dgm:param type="linDir" val="fromT"/>
+      <dgm:param type="vertAlign" val="mid"/>
+    </dgm:alg>
+    <dgm:shape xmlns:r="http://schemas.openxmlformats.org/officeDocument/2006/relationships" r:blip="">
+      <dgm:adjLst/>
+    </dgm:shape>
+    <dgm:presOf/>
+    <dgm:constrLst>
+      <dgm:constr type="w" for="ch" forName="parentText" refType="w"/>
+      <dgm:constr type="h" for="ch" forName="parentText" refType="primFontSz" refFor="ch" refForName="parentText" fact="0.52"/>
+      <dgm:constr type="w" for="ch" forName="childText" refType="w"/>
+      <dgm:constr type="h" for="ch" forName="childText" refType="primFontSz" refFor="ch" refForName="parentText" fact="0.46"/>
+      <dgm:constr type="h" for="ch" forName="parentText" op="equ"/>
+      <dgm:constr type="primFontSz" for="ch" forName="parentText" op="equ" val="65"/>
+      <dgm:constr type="primFontSz" for="ch" forName="childText" refType="primFontSz" refFor="ch" refForName="parentText" op="equ"/>
+      <dgm:constr type="h" for="ch" forName="spacer" refType="primFontSz" refFor="ch" refForName="parentText" fact="0.08"/>
+    </dgm:constrLst>
+    <dgm:ruleLst>
+      <dgm:rule type="primFontSz" for="ch" forName="parentText" val="5" fact="NaN" max="NaN"/>
+    </dgm:ruleLst>
+    <dgm:forEach name="Name0" axis="ch" ptType="node">
+      <dgm:layoutNode name="parentText" styleLbl="node1">
+        <dgm:varLst>
+          <dgm:chMax val="0"/>
+          <dgm:bulletEnabled val="1"/>
+        </dgm:varLst>
+        <dgm:alg type="tx">
+          <dgm:param type="parTxLTRAlign" val="l"/>
+          <dgm:param type="parTxRTLAlign" val="r"/>
+        </dgm:alg>
+        <dgm:shape xmlns:r="http://schemas.openxmlformats.org/officeDocument/2006/relationships" type="roundRect" r:blip="">
+          <dgm:adjLst/>
+        </dgm:shape>
+        <dgm:presOf axis="self"/>
+        <dgm:constrLst>
+          <dgm:constr type="tMarg" refType="primFontSz" fact="0.3"/>
+          <dgm:constr type="bMarg" refType="primFontSz" fact="0.3"/>
+          <dgm:constr type="lMarg" refType="primFontSz" fact="0.3"/>
+          <dgm:constr type="rMarg" refType="primFontSz" fact="0.3"/>
+        </dgm:constrLst>
+        <dgm:ruleLst>
+          <dgm:rule type="h" val="INF" fact="NaN" max="NaN"/>
+        </dgm:ruleLst>
+      </dgm:layoutNode>
+      <dgm:choose name="Name1">
+        <dgm:if name="Name2" axis="ch" ptType="node" func="cnt" op="gte" val="1">
+          <dgm:layoutNode name="childText" styleLbl="revTx">
+            <dgm:varLst>
+              <dgm:bulletEnabled val="1"/>
+            </dgm:varLst>
+            <dgm:alg type="tx">
+              <dgm:param type="stBulletLvl" val="1"/>
+              <dgm:param type="lnSpAfChP" val="20"/>
+            </dgm:alg>
+            <dgm:shape xmlns:r="http://schemas.openxmlformats.org/officeDocument/2006/relationships" type="rect" r:blip="">
+              <dgm:adjLst/>
+            </dgm:shape>
+            <dgm:presOf axis="des" ptType="node"/>
+            <dgm:constrLst>
+              <dgm:constr type="tMarg" refType="primFontSz" fact="0.1"/>
+              <dgm:constr type="bMarg" refType="primFontSz" fact="0.1"/>
+              <dgm:constr type="lMarg" refType="w" fact="0.09"/>
+            </dgm:constrLst>
+            <dgm:ruleLst>
+              <dgm:rule type="h" val="INF" fact="NaN" max="NaN"/>
+            </dgm:ruleLst>
+          </dgm:layoutNode>
+        </dgm:if>
+        <dgm:else name="Name3">
+          <dgm:choose name="Name4">
+            <dgm:if name="Name5" axis="par ch" ptType="doc node" func="cnt" op="gte" val="2">
+              <dgm:forEach name="Name6" axis="followSib" ptType="sibTrans" cnt="1">
+                <dgm:layoutNode name="spacer">
+                  <dgm:alg type="sp"/>
+                  <dgm:shape xmlns:r="http://schemas.openxmlformats.org/officeDocument/2006/relationships" r:blip="">
+                    <dgm:adjLst/>
+                  </dgm:shape>
+                  <dgm:presOf/>
+                  <dgm:constrLst/>
+                  <dgm:ruleLst/>
+                </dgm:layoutNode>
+              </dgm:forEach>
+            </dgm:if>
+            <dgm:else name="Name7"/>
+          </dgm:choose>
+        </dgm:else>
+      </dgm:choose>
+    </dgm:forEach>
+  </dgm:layoutNode>
+</dgm:layoutDef>
+</file>
+
 <file path=ppt/diagrams/quickStyle1.xml><?xml version="1.0" encoding="utf-8"?>
 <dgm:styleDef xmlns:dgm="http://schemas.openxmlformats.org/drawingml/2006/diagram" xmlns:a="http://schemas.openxmlformats.org/drawingml/2006/main" uniqueId="urn:microsoft.com/office/officeart/2005/8/quickstyle/simple1">
   <dgm:title val=""/>
@@ -4754,6 +6241,1040 @@
 </file>
 
 <file path=ppt/diagrams/quickStyle2.xml><?xml version="1.0" encoding="utf-8"?>
+<dgm:styleDef xmlns:dgm="http://schemas.openxmlformats.org/drawingml/2006/diagram" xmlns:a="http://schemas.openxmlformats.org/drawingml/2006/main" uniqueId="urn:microsoft.com/office/officeart/2005/8/quickstyle/simple1">
+  <dgm:title val=""/>
+  <dgm:desc val=""/>
+  <dgm:catLst>
+    <dgm:cat type="simple" pri="10100"/>
+  </dgm:catLst>
+  <dgm:scene3d>
+    <a:camera prst="orthographicFront"/>
+    <a:lightRig rig="threePt" dir="t"/>
+  </dgm:scene3d>
+  <dgm:styleLbl name="node0">
+    <dgm:scene3d>
+      <a:camera prst="orthographicFront"/>
+      <a:lightRig rig="threePt" dir="t"/>
+    </dgm:scene3d>
+    <dgm:sp3d/>
+    <dgm:txPr/>
+    <dgm:style>
+      <a:lnRef idx="2">
+        <a:scrgbClr r="0" g="0" b="0"/>
+      </a:lnRef>
+      <a:fillRef idx="1">
+        <a:scrgbClr r="0" g="0" b="0"/>
+      </a:fillRef>
+      <a:effectRef idx="0">
+        <a:scrgbClr r="0" g="0" b="0"/>
+      </a:effectRef>
+      <a:fontRef idx="minor">
+        <a:schemeClr val="lt1"/>
+      </a:fontRef>
+    </dgm:style>
+  </dgm:styleLbl>
+  <dgm:styleLbl name="lnNode1">
+    <dgm:scene3d>
+      <a:camera prst="orthographicFront"/>
+      <a:lightRig rig="threePt" dir="t"/>
+    </dgm:scene3d>
+    <dgm:sp3d/>
+    <dgm:txPr/>
+    <dgm:style>
+      <a:lnRef idx="2">
+        <a:scrgbClr r="0" g="0" b="0"/>
+      </a:lnRef>
+      <a:fillRef idx="1">
+        <a:scrgbClr r="0" g="0" b="0"/>
+      </a:fillRef>
+      <a:effectRef idx="0">
+        <a:scrgbClr r="0" g="0" b="0"/>
+      </a:effectRef>
+      <a:fontRef idx="minor">
+        <a:schemeClr val="lt1"/>
+      </a:fontRef>
+    </dgm:style>
+  </dgm:styleLbl>
+  <dgm:styleLbl name="vennNode1">
+    <dgm:scene3d>
+      <a:camera prst="orthographicFront"/>
+      <a:lightRig rig="threePt" dir="t"/>
+    </dgm:scene3d>
+    <dgm:sp3d/>
+    <dgm:txPr/>
+    <dgm:style>
+      <a:lnRef idx="2">
+        <a:scrgbClr r="0" g="0" b="0"/>
+      </a:lnRef>
+      <a:fillRef idx="1">
+        <a:scrgbClr r="0" g="0" b="0"/>
+      </a:fillRef>
+      <a:effectRef idx="0">
+        <a:scrgbClr r="0" g="0" b="0"/>
+      </a:effectRef>
+      <a:fontRef idx="minor">
+        <a:schemeClr val="tx1"/>
+      </a:fontRef>
+    </dgm:style>
+  </dgm:styleLbl>
+  <dgm:styleLbl name="alignNode1">
+    <dgm:scene3d>
+      <a:camera prst="orthographicFront"/>
+      <a:lightRig rig="threePt" dir="t"/>
+    </dgm:scene3d>
+    <dgm:sp3d/>
+    <dgm:txPr/>
+    <dgm:style>
+      <a:lnRef idx="2">
+        <a:scrgbClr r="0" g="0" b="0"/>
+      </a:lnRef>
+      <a:fillRef idx="1">
+        <a:scrgbClr r="0" g="0" b="0"/>
+      </a:fillRef>
+      <a:effectRef idx="0">
+        <a:scrgbClr r="0" g="0" b="0"/>
+      </a:effectRef>
+      <a:fontRef idx="minor">
+        <a:schemeClr val="lt1"/>
+      </a:fontRef>
+    </dgm:style>
+  </dgm:styleLbl>
+  <dgm:styleLbl name="node1">
+    <dgm:scene3d>
+      <a:camera prst="orthographicFront"/>
+      <a:lightRig rig="threePt" dir="t"/>
+    </dgm:scene3d>
+    <dgm:sp3d/>
+    <dgm:txPr/>
+    <dgm:style>
+      <a:lnRef idx="2">
+        <a:scrgbClr r="0" g="0" b="0"/>
+      </a:lnRef>
+      <a:fillRef idx="1">
+        <a:scrgbClr r="0" g="0" b="0"/>
+      </a:fillRef>
+      <a:effectRef idx="0">
+        <a:scrgbClr r="0" g="0" b="0"/>
+      </a:effectRef>
+      <a:fontRef idx="minor">
+        <a:schemeClr val="lt1"/>
+      </a:fontRef>
+    </dgm:style>
+  </dgm:styleLbl>
+  <dgm:styleLbl name="node2">
+    <dgm:scene3d>
+      <a:camera prst="orthographicFront"/>
+      <a:lightRig rig="threePt" dir="t"/>
+    </dgm:scene3d>
+    <dgm:sp3d/>
+    <dgm:txPr/>
+    <dgm:style>
+      <a:lnRef idx="2">
+        <a:scrgbClr r="0" g="0" b="0"/>
+      </a:lnRef>
+      <a:fillRef idx="1">
+        <a:scrgbClr r="0" g="0" b="0"/>
+      </a:fillRef>
+      <a:effectRef idx="0">
+        <a:scrgbClr r="0" g="0" b="0"/>
+      </a:effectRef>
+      <a:fontRef idx="minor">
+        <a:schemeClr val="lt1"/>
+      </a:fontRef>
+    </dgm:style>
+  </dgm:styleLbl>
+  <dgm:styleLbl name="node3">
+    <dgm:scene3d>
+      <a:camera prst="orthographicFront"/>
+      <a:lightRig rig="threePt" dir="t"/>
+    </dgm:scene3d>
+    <dgm:sp3d/>
+    <dgm:txPr/>
+    <dgm:style>
+      <a:lnRef idx="2">
+        <a:scrgbClr r="0" g="0" b="0"/>
+      </a:lnRef>
+      <a:fillRef idx="1">
+        <a:scrgbClr r="0" g="0" b="0"/>
+      </a:fillRef>
+      <a:effectRef idx="0">
+        <a:scrgbClr r="0" g="0" b="0"/>
+      </a:effectRef>
+      <a:fontRef idx="minor">
+        <a:schemeClr val="lt1"/>
+      </a:fontRef>
+    </dgm:style>
+  </dgm:styleLbl>
+  <dgm:styleLbl name="node4">
+    <dgm:scene3d>
+      <a:camera prst="orthographicFront"/>
+      <a:lightRig rig="threePt" dir="t"/>
+    </dgm:scene3d>
+    <dgm:sp3d/>
+    <dgm:txPr/>
+    <dgm:style>
+      <a:lnRef idx="2">
+        <a:scrgbClr r="0" g="0" b="0"/>
+      </a:lnRef>
+      <a:fillRef idx="1">
+        <a:scrgbClr r="0" g="0" b="0"/>
+      </a:fillRef>
+      <a:effectRef idx="0">
+        <a:scrgbClr r="0" g="0" b="0"/>
+      </a:effectRef>
+      <a:fontRef idx="minor">
+        <a:schemeClr val="lt1"/>
+      </a:fontRef>
+    </dgm:style>
+  </dgm:styleLbl>
+  <dgm:styleLbl name="fgImgPlace1">
+    <dgm:scene3d>
+      <a:camera prst="orthographicFront"/>
+      <a:lightRig rig="threePt" dir="t"/>
+    </dgm:scene3d>
+    <dgm:sp3d/>
+    <dgm:txPr/>
+    <dgm:style>
+      <a:lnRef idx="2">
+        <a:scrgbClr r="0" g="0" b="0"/>
+      </a:lnRef>
+      <a:fillRef idx="1">
+        <a:scrgbClr r="0" g="0" b="0"/>
+      </a:fillRef>
+      <a:effectRef idx="0">
+        <a:scrgbClr r="0" g="0" b="0"/>
+      </a:effectRef>
+      <a:fontRef idx="minor"/>
+    </dgm:style>
+  </dgm:styleLbl>
+  <dgm:styleLbl name="alignImgPlace1">
+    <dgm:scene3d>
+      <a:camera prst="orthographicFront"/>
+      <a:lightRig rig="threePt" dir="t"/>
+    </dgm:scene3d>
+    <dgm:sp3d/>
+    <dgm:txPr/>
+    <dgm:style>
+      <a:lnRef idx="2">
+        <a:scrgbClr r="0" g="0" b="0"/>
+      </a:lnRef>
+      <a:fillRef idx="1">
+        <a:scrgbClr r="0" g="0" b="0"/>
+      </a:fillRef>
+      <a:effectRef idx="0">
+        <a:scrgbClr r="0" g="0" b="0"/>
+      </a:effectRef>
+      <a:fontRef idx="minor"/>
+    </dgm:style>
+  </dgm:styleLbl>
+  <dgm:styleLbl name="bgImgPlace1">
+    <dgm:scene3d>
+      <a:camera prst="orthographicFront"/>
+      <a:lightRig rig="threePt" dir="t"/>
+    </dgm:scene3d>
+    <dgm:sp3d/>
+    <dgm:txPr/>
+    <dgm:style>
+      <a:lnRef idx="2">
+        <a:scrgbClr r="0" g="0" b="0"/>
+      </a:lnRef>
+      <a:fillRef idx="1">
+        <a:scrgbClr r="0" g="0" b="0"/>
+      </a:fillRef>
+      <a:effectRef idx="0">
+        <a:scrgbClr r="0" g="0" b="0"/>
+      </a:effectRef>
+      <a:fontRef idx="minor"/>
+    </dgm:style>
+  </dgm:styleLbl>
+  <dgm:styleLbl name="sibTrans2D1">
+    <dgm:scene3d>
+      <a:camera prst="orthographicFront"/>
+      <a:lightRig rig="threePt" dir="t"/>
+    </dgm:scene3d>
+    <dgm:sp3d/>
+    <dgm:txPr/>
+    <dgm:style>
+      <a:lnRef idx="0">
+        <a:scrgbClr r="0" g="0" b="0"/>
+      </a:lnRef>
+      <a:fillRef idx="1">
+        <a:scrgbClr r="0" g="0" b="0"/>
+      </a:fillRef>
+      <a:effectRef idx="0">
+        <a:scrgbClr r="0" g="0" b="0"/>
+      </a:effectRef>
+      <a:fontRef idx="minor">
+        <a:schemeClr val="lt1"/>
+      </a:fontRef>
+    </dgm:style>
+  </dgm:styleLbl>
+  <dgm:styleLbl name="fgSibTrans2D1">
+    <dgm:scene3d>
+      <a:camera prst="orthographicFront"/>
+      <a:lightRig rig="threePt" dir="t"/>
+    </dgm:scene3d>
+    <dgm:sp3d/>
+    <dgm:txPr/>
+    <dgm:style>
+      <a:lnRef idx="0">
+        <a:scrgbClr r="0" g="0" b="0"/>
+      </a:lnRef>
+      <a:fillRef idx="1">
+        <a:scrgbClr r="0" g="0" b="0"/>
+      </a:fillRef>
+      <a:effectRef idx="0">
+        <a:scrgbClr r="0" g="0" b="0"/>
+      </a:effectRef>
+      <a:fontRef idx="minor">
+        <a:schemeClr val="lt1"/>
+      </a:fontRef>
+    </dgm:style>
+  </dgm:styleLbl>
+  <dgm:styleLbl name="bgSibTrans2D1">
+    <dgm:scene3d>
+      <a:camera prst="orthographicFront"/>
+      <a:lightRig rig="threePt" dir="t"/>
+    </dgm:scene3d>
+    <dgm:sp3d/>
+    <dgm:txPr/>
+    <dgm:style>
+      <a:lnRef idx="0">
+        <a:scrgbClr r="0" g="0" b="0"/>
+      </a:lnRef>
+      <a:fillRef idx="1">
+        <a:scrgbClr r="0" g="0" b="0"/>
+      </a:fillRef>
+      <a:effectRef idx="0">
+        <a:scrgbClr r="0" g="0" b="0"/>
+      </a:effectRef>
+      <a:fontRef idx="minor">
+        <a:schemeClr val="lt1"/>
+      </a:fontRef>
+    </dgm:style>
+  </dgm:styleLbl>
+  <dgm:styleLbl name="sibTrans1D1">
+    <dgm:scene3d>
+      <a:camera prst="orthographicFront"/>
+      <a:lightRig rig="threePt" dir="t"/>
+    </dgm:scene3d>
+    <dgm:sp3d/>
+    <dgm:txPr/>
+    <dgm:style>
+      <a:lnRef idx="1">
+        <a:scrgbClr r="0" g="0" b="0"/>
+      </a:lnRef>
+      <a:fillRef idx="0">
+        <a:scrgbClr r="0" g="0" b="0"/>
+      </a:fillRef>
+      <a:effectRef idx="0">
+        <a:scrgbClr r="0" g="0" b="0"/>
+      </a:effectRef>
+      <a:fontRef idx="minor"/>
+    </dgm:style>
+  </dgm:styleLbl>
+  <dgm:styleLbl name="callout">
+    <dgm:scene3d>
+      <a:camera prst="orthographicFront"/>
+      <a:lightRig rig="threePt" dir="t"/>
+    </dgm:scene3d>
+    <dgm:sp3d/>
+    <dgm:txPr/>
+    <dgm:style>
+      <a:lnRef idx="2">
+        <a:scrgbClr r="0" g="0" b="0"/>
+      </a:lnRef>
+      <a:fillRef idx="1">
+        <a:scrgbClr r="0" g="0" b="0"/>
+      </a:fillRef>
+      <a:effectRef idx="0">
+        <a:scrgbClr r="0" g="0" b="0"/>
+      </a:effectRef>
+      <a:fontRef idx="minor"/>
+    </dgm:style>
+  </dgm:styleLbl>
+  <dgm:styleLbl name="asst0">
+    <dgm:scene3d>
+      <a:camera prst="orthographicFront"/>
+      <a:lightRig rig="threePt" dir="t"/>
+    </dgm:scene3d>
+    <dgm:sp3d/>
+    <dgm:txPr/>
+    <dgm:style>
+      <a:lnRef idx="2">
+        <a:scrgbClr r="0" g="0" b="0"/>
+      </a:lnRef>
+      <a:fillRef idx="1">
+        <a:scrgbClr r="0" g="0" b="0"/>
+      </a:fillRef>
+      <a:effectRef idx="0">
+        <a:scrgbClr r="0" g="0" b="0"/>
+      </a:effectRef>
+      <a:fontRef idx="minor">
+        <a:schemeClr val="lt1"/>
+      </a:fontRef>
+    </dgm:style>
+  </dgm:styleLbl>
+  <dgm:styleLbl name="asst1">
+    <dgm:scene3d>
+      <a:camera prst="orthographicFront"/>
+      <a:lightRig rig="threePt" dir="t"/>
+    </dgm:scene3d>
+    <dgm:sp3d/>
+    <dgm:txPr/>
+    <dgm:style>
+      <a:lnRef idx="2">
+        <a:scrgbClr r="0" g="0" b="0"/>
+      </a:lnRef>
+      <a:fillRef idx="1">
+        <a:scrgbClr r="0" g="0" b="0"/>
+      </a:fillRef>
+      <a:effectRef idx="0">
+        <a:scrgbClr r="0" g="0" b="0"/>
+      </a:effectRef>
+      <a:fontRef idx="minor">
+        <a:schemeClr val="lt1"/>
+      </a:fontRef>
+    </dgm:style>
+  </dgm:styleLbl>
+  <dgm:styleLbl name="asst2">
+    <dgm:scene3d>
+      <a:camera prst="orthographicFront"/>
+      <a:lightRig rig="threePt" dir="t"/>
+    </dgm:scene3d>
+    <dgm:sp3d/>
+    <dgm:txPr/>
+    <dgm:style>
+      <a:lnRef idx="2">
+        <a:scrgbClr r="0" g="0" b="0"/>
+      </a:lnRef>
+      <a:fillRef idx="1">
+        <a:scrgbClr r="0" g="0" b="0"/>
+      </a:fillRef>
+      <a:effectRef idx="0">
+        <a:scrgbClr r="0" g="0" b="0"/>
+      </a:effectRef>
+      <a:fontRef idx="minor">
+        <a:schemeClr val="lt1"/>
+      </a:fontRef>
+    </dgm:style>
+  </dgm:styleLbl>
+  <dgm:styleLbl name="asst3">
+    <dgm:scene3d>
+      <a:camera prst="orthographicFront"/>
+      <a:lightRig rig="threePt" dir="t"/>
+    </dgm:scene3d>
+    <dgm:sp3d/>
+    <dgm:txPr/>
+    <dgm:style>
+      <a:lnRef idx="2">
+        <a:scrgbClr r="0" g="0" b="0"/>
+      </a:lnRef>
+      <a:fillRef idx="1">
+        <a:scrgbClr r="0" g="0" b="0"/>
+      </a:fillRef>
+      <a:effectRef idx="0">
+        <a:scrgbClr r="0" g="0" b="0"/>
+      </a:effectRef>
+      <a:fontRef idx="minor">
+        <a:schemeClr val="lt1"/>
+      </a:fontRef>
+    </dgm:style>
+  </dgm:styleLbl>
+  <dgm:styleLbl name="asst4">
+    <dgm:scene3d>
+      <a:camera prst="orthographicFront"/>
+      <a:lightRig rig="threePt" dir="t"/>
+    </dgm:scene3d>
+    <dgm:sp3d/>
+    <dgm:txPr/>
+    <dgm:style>
+      <a:lnRef idx="2">
+        <a:scrgbClr r="0" g="0" b="0"/>
+      </a:lnRef>
+      <a:fillRef idx="1">
+        <a:scrgbClr r="0" g="0" b="0"/>
+      </a:fillRef>
+      <a:effectRef idx="0">
+        <a:scrgbClr r="0" g="0" b="0"/>
+      </a:effectRef>
+      <a:fontRef idx="minor">
+        <a:schemeClr val="lt1"/>
+      </a:fontRef>
+    </dgm:style>
+  </dgm:styleLbl>
+  <dgm:styleLbl name="parChTrans2D1">
+    <dgm:scene3d>
+      <a:camera prst="orthographicFront"/>
+      <a:lightRig rig="threePt" dir="t"/>
+    </dgm:scene3d>
+    <dgm:sp3d/>
+    <dgm:txPr/>
+    <dgm:style>
+      <a:lnRef idx="2">
+        <a:scrgbClr r="0" g="0" b="0"/>
+      </a:lnRef>
+      <a:fillRef idx="1">
+        <a:scrgbClr r="0" g="0" b="0"/>
+      </a:fillRef>
+      <a:effectRef idx="0">
+        <a:scrgbClr r="0" g="0" b="0"/>
+      </a:effectRef>
+      <a:fontRef idx="minor">
+        <a:schemeClr val="lt1"/>
+      </a:fontRef>
+    </dgm:style>
+  </dgm:styleLbl>
+  <dgm:styleLbl name="parChTrans2D2">
+    <dgm:scene3d>
+      <a:camera prst="orthographicFront"/>
+      <a:lightRig rig="threePt" dir="t"/>
+    </dgm:scene3d>
+    <dgm:sp3d/>
+    <dgm:txPr/>
+    <dgm:style>
+      <a:lnRef idx="2">
+        <a:scrgbClr r="0" g="0" b="0"/>
+      </a:lnRef>
+      <a:fillRef idx="1">
+        <a:scrgbClr r="0" g="0" b="0"/>
+      </a:fillRef>
+      <a:effectRef idx="0">
+        <a:scrgbClr r="0" g="0" b="0"/>
+      </a:effectRef>
+      <a:fontRef idx="minor">
+        <a:schemeClr val="lt1"/>
+      </a:fontRef>
+    </dgm:style>
+  </dgm:styleLbl>
+  <dgm:styleLbl name="parChTrans2D3">
+    <dgm:scene3d>
+      <a:camera prst="orthographicFront"/>
+      <a:lightRig rig="threePt" dir="t"/>
+    </dgm:scene3d>
+    <dgm:sp3d/>
+    <dgm:txPr/>
+    <dgm:style>
+      <a:lnRef idx="2">
+        <a:scrgbClr r="0" g="0" b="0"/>
+      </a:lnRef>
+      <a:fillRef idx="1">
+        <a:scrgbClr r="0" g="0" b="0"/>
+      </a:fillRef>
+      <a:effectRef idx="0">
+        <a:scrgbClr r="0" g="0" b="0"/>
+      </a:effectRef>
+      <a:fontRef idx="minor">
+        <a:schemeClr val="lt1"/>
+      </a:fontRef>
+    </dgm:style>
+  </dgm:styleLbl>
+  <dgm:styleLbl name="parChTrans2D4">
+    <dgm:scene3d>
+      <a:camera prst="orthographicFront"/>
+      <a:lightRig rig="threePt" dir="t"/>
+    </dgm:scene3d>
+    <dgm:sp3d/>
+    <dgm:txPr/>
+    <dgm:style>
+      <a:lnRef idx="2">
+        <a:scrgbClr r="0" g="0" b="0"/>
+      </a:lnRef>
+      <a:fillRef idx="1">
+        <a:scrgbClr r="0" g="0" b="0"/>
+      </a:fillRef>
+      <a:effectRef idx="0">
+        <a:scrgbClr r="0" g="0" b="0"/>
+      </a:effectRef>
+      <a:fontRef idx="minor">
+        <a:schemeClr val="lt1"/>
+      </a:fontRef>
+    </dgm:style>
+  </dgm:styleLbl>
+  <dgm:styleLbl name="parChTrans1D1">
+    <dgm:scene3d>
+      <a:camera prst="orthographicFront"/>
+      <a:lightRig rig="threePt" dir="t"/>
+    </dgm:scene3d>
+    <dgm:sp3d/>
+    <dgm:txPr/>
+    <dgm:style>
+      <a:lnRef idx="2">
+        <a:scrgbClr r="0" g="0" b="0"/>
+      </a:lnRef>
+      <a:fillRef idx="0">
+        <a:scrgbClr r="0" g="0" b="0"/>
+      </a:fillRef>
+      <a:effectRef idx="0">
+        <a:scrgbClr r="0" g="0" b="0"/>
+      </a:effectRef>
+      <a:fontRef idx="minor"/>
+    </dgm:style>
+  </dgm:styleLbl>
+  <dgm:styleLbl name="parChTrans1D2">
+    <dgm:scene3d>
+      <a:camera prst="orthographicFront"/>
+      <a:lightRig rig="threePt" dir="t"/>
+    </dgm:scene3d>
+    <dgm:sp3d/>
+    <dgm:txPr/>
+    <dgm:style>
+      <a:lnRef idx="2">
+        <a:scrgbClr r="0" g="0" b="0"/>
+      </a:lnRef>
+      <a:fillRef idx="0">
+        <a:scrgbClr r="0" g="0" b="0"/>
+      </a:fillRef>
+      <a:effectRef idx="0">
+        <a:scrgbClr r="0" g="0" b="0"/>
+      </a:effectRef>
+      <a:fontRef idx="minor"/>
+    </dgm:style>
+  </dgm:styleLbl>
+  <dgm:styleLbl name="parChTrans1D3">
+    <dgm:scene3d>
+      <a:camera prst="orthographicFront"/>
+      <a:lightRig rig="threePt" dir="t"/>
+    </dgm:scene3d>
+    <dgm:sp3d/>
+    <dgm:txPr/>
+    <dgm:style>
+      <a:lnRef idx="2">
+        <a:scrgbClr r="0" g="0" b="0"/>
+      </a:lnRef>
+      <a:fillRef idx="0">
+        <a:scrgbClr r="0" g="0" b="0"/>
+      </a:fillRef>
+      <a:effectRef idx="0">
+        <a:scrgbClr r="0" g="0" b="0"/>
+      </a:effectRef>
+      <a:fontRef idx="minor"/>
+    </dgm:style>
+  </dgm:styleLbl>
+  <dgm:styleLbl name="parChTrans1D4">
+    <dgm:scene3d>
+      <a:camera prst="orthographicFront"/>
+      <a:lightRig rig="threePt" dir="t"/>
+    </dgm:scene3d>
+    <dgm:sp3d/>
+    <dgm:txPr/>
+    <dgm:style>
+      <a:lnRef idx="2">
+        <a:scrgbClr r="0" g="0" b="0"/>
+      </a:lnRef>
+      <a:fillRef idx="0">
+        <a:scrgbClr r="0" g="0" b="0"/>
+      </a:fillRef>
+      <a:effectRef idx="0">
+        <a:scrgbClr r="0" g="0" b="0"/>
+      </a:effectRef>
+      <a:fontRef idx="minor"/>
+    </dgm:style>
+  </dgm:styleLbl>
+  <dgm:styleLbl name="fgAcc1">
+    <dgm:scene3d>
+      <a:camera prst="orthographicFront"/>
+      <a:lightRig rig="threePt" dir="t"/>
+    </dgm:scene3d>
+    <dgm:sp3d/>
+    <dgm:txPr/>
+    <dgm:style>
+      <a:lnRef idx="2">
+        <a:scrgbClr r="0" g="0" b="0"/>
+      </a:lnRef>
+      <a:fillRef idx="1">
+        <a:scrgbClr r="0" g="0" b="0"/>
+      </a:fillRef>
+      <a:effectRef idx="0">
+        <a:scrgbClr r="0" g="0" b="0"/>
+      </a:effectRef>
+      <a:fontRef idx="minor"/>
+    </dgm:style>
+  </dgm:styleLbl>
+  <dgm:styleLbl name="conFgAcc1">
+    <dgm:scene3d>
+      <a:camera prst="orthographicFront"/>
+      <a:lightRig rig="threePt" dir="t"/>
+    </dgm:scene3d>
+    <dgm:sp3d/>
+    <dgm:txPr/>
+    <dgm:style>
+      <a:lnRef idx="2">
+        <a:scrgbClr r="0" g="0" b="0"/>
+      </a:lnRef>
+      <a:fillRef idx="1">
+        <a:scrgbClr r="0" g="0" b="0"/>
+      </a:fillRef>
+      <a:effectRef idx="0">
+        <a:scrgbClr r="0" g="0" b="0"/>
+      </a:effectRef>
+      <a:fontRef idx="minor"/>
+    </dgm:style>
+  </dgm:styleLbl>
+  <dgm:styleLbl name="alignAcc1">
+    <dgm:scene3d>
+      <a:camera prst="orthographicFront"/>
+      <a:lightRig rig="threePt" dir="t"/>
+    </dgm:scene3d>
+    <dgm:sp3d/>
+    <dgm:txPr/>
+    <dgm:style>
+      <a:lnRef idx="2">
+        <a:scrgbClr r="0" g="0" b="0"/>
+      </a:lnRef>
+      <a:fillRef idx="1">
+        <a:scrgbClr r="0" g="0" b="0"/>
+      </a:fillRef>
+      <a:effectRef idx="0">
+        <a:scrgbClr r="0" g="0" b="0"/>
+      </a:effectRef>
+      <a:fontRef idx="minor"/>
+    </dgm:style>
+  </dgm:styleLbl>
+  <dgm:styleLbl name="trAlignAcc1">
+    <dgm:scene3d>
+      <a:camera prst="orthographicFront"/>
+      <a:lightRig rig="threePt" dir="t"/>
+    </dgm:scene3d>
+    <dgm:sp3d/>
+    <dgm:txPr/>
+    <dgm:style>
+      <a:lnRef idx="1">
+        <a:scrgbClr r="0" g="0" b="0"/>
+      </a:lnRef>
+      <a:fillRef idx="1">
+        <a:scrgbClr r="0" g="0" b="0"/>
+      </a:fillRef>
+      <a:effectRef idx="0">
+        <a:scrgbClr r="0" g="0" b="0"/>
+      </a:effectRef>
+      <a:fontRef idx="minor"/>
+    </dgm:style>
+  </dgm:styleLbl>
+  <dgm:styleLbl name="bgAcc1">
+    <dgm:scene3d>
+      <a:camera prst="orthographicFront"/>
+      <a:lightRig rig="threePt" dir="t"/>
+    </dgm:scene3d>
+    <dgm:sp3d/>
+    <dgm:txPr/>
+    <dgm:style>
+      <a:lnRef idx="2">
+        <a:scrgbClr r="0" g="0" b="0"/>
+      </a:lnRef>
+      <a:fillRef idx="1">
+        <a:scrgbClr r="0" g="0" b="0"/>
+      </a:fillRef>
+      <a:effectRef idx="0">
+        <a:scrgbClr r="0" g="0" b="0"/>
+      </a:effectRef>
+      <a:fontRef idx="minor"/>
+    </dgm:style>
+  </dgm:styleLbl>
+  <dgm:styleLbl name="solidFgAcc1">
+    <dgm:scene3d>
+      <a:camera prst="orthographicFront"/>
+      <a:lightRig rig="threePt" dir="t"/>
+    </dgm:scene3d>
+    <dgm:sp3d/>
+    <dgm:txPr/>
+    <dgm:style>
+      <a:lnRef idx="2">
+        <a:scrgbClr r="0" g="0" b="0"/>
+      </a:lnRef>
+      <a:fillRef idx="1">
+        <a:scrgbClr r="0" g="0" b="0"/>
+      </a:fillRef>
+      <a:effectRef idx="0">
+        <a:scrgbClr r="0" g="0" b="0"/>
+      </a:effectRef>
+      <a:fontRef idx="minor"/>
+    </dgm:style>
+  </dgm:styleLbl>
+  <dgm:styleLbl name="solidAlignAcc1">
+    <dgm:scene3d>
+      <a:camera prst="orthographicFront"/>
+      <a:lightRig rig="threePt" dir="t"/>
+    </dgm:scene3d>
+    <dgm:sp3d/>
+    <dgm:txPr/>
+    <dgm:style>
+      <a:lnRef idx="2">
+        <a:scrgbClr r="0" g="0" b="0"/>
+      </a:lnRef>
+      <a:fillRef idx="1">
+        <a:scrgbClr r="0" g="0" b="0"/>
+      </a:fillRef>
+      <a:effectRef idx="0">
+        <a:scrgbClr r="0" g="0" b="0"/>
+      </a:effectRef>
+      <a:fontRef idx="minor"/>
+    </dgm:style>
+  </dgm:styleLbl>
+  <dgm:styleLbl name="solidBgAcc1">
+    <dgm:scene3d>
+      <a:camera prst="orthographicFront"/>
+      <a:lightRig rig="threePt" dir="t"/>
+    </dgm:scene3d>
+    <dgm:sp3d/>
+    <dgm:txPr/>
+    <dgm:style>
+      <a:lnRef idx="2">
+        <a:scrgbClr r="0" g="0" b="0"/>
+      </a:lnRef>
+      <a:fillRef idx="1">
+        <a:scrgbClr r="0" g="0" b="0"/>
+      </a:fillRef>
+      <a:effectRef idx="0">
+        <a:scrgbClr r="0" g="0" b="0"/>
+      </a:effectRef>
+      <a:fontRef idx="minor"/>
+    </dgm:style>
+  </dgm:styleLbl>
+  <dgm:styleLbl name="fgAccFollowNode1">
+    <dgm:scene3d>
+      <a:camera prst="orthographicFront"/>
+      <a:lightRig rig="threePt" dir="t"/>
+    </dgm:scene3d>
+    <dgm:sp3d/>
+    <dgm:txPr/>
+    <dgm:style>
+      <a:lnRef idx="2">
+        <a:scrgbClr r="0" g="0" b="0"/>
+      </a:lnRef>
+      <a:fillRef idx="1">
+        <a:scrgbClr r="0" g="0" b="0"/>
+      </a:fillRef>
+      <a:effectRef idx="0">
+        <a:scrgbClr r="0" g="0" b="0"/>
+      </a:effectRef>
+      <a:fontRef idx="minor"/>
+    </dgm:style>
+  </dgm:styleLbl>
+  <dgm:styleLbl name="alignAccFollowNode1">
+    <dgm:scene3d>
+      <a:camera prst="orthographicFront"/>
+      <a:lightRig rig="threePt" dir="t"/>
+    </dgm:scene3d>
+    <dgm:sp3d/>
+    <dgm:txPr/>
+    <dgm:style>
+      <a:lnRef idx="2">
+        <a:scrgbClr r="0" g="0" b="0"/>
+      </a:lnRef>
+      <a:fillRef idx="1">
+        <a:scrgbClr r="0" g="0" b="0"/>
+      </a:fillRef>
+      <a:effectRef idx="0">
+        <a:scrgbClr r="0" g="0" b="0"/>
+      </a:effectRef>
+      <a:fontRef idx="minor"/>
+    </dgm:style>
+  </dgm:styleLbl>
+  <dgm:styleLbl name="bgAccFollowNode1">
+    <dgm:scene3d>
+      <a:camera prst="orthographicFront"/>
+      <a:lightRig rig="threePt" dir="t"/>
+    </dgm:scene3d>
+    <dgm:sp3d/>
+    <dgm:txPr/>
+    <dgm:style>
+      <a:lnRef idx="2">
+        <a:scrgbClr r="0" g="0" b="0"/>
+      </a:lnRef>
+      <a:fillRef idx="1">
+        <a:scrgbClr r="0" g="0" b="0"/>
+      </a:fillRef>
+      <a:effectRef idx="0">
+        <a:scrgbClr r="0" g="0" b="0"/>
+      </a:effectRef>
+      <a:fontRef idx="minor"/>
+    </dgm:style>
+  </dgm:styleLbl>
+  <dgm:styleLbl name="fgAcc0">
+    <dgm:scene3d>
+      <a:camera prst="orthographicFront"/>
+      <a:lightRig rig="threePt" dir="t"/>
+    </dgm:scene3d>
+    <dgm:sp3d/>
+    <dgm:txPr/>
+    <dgm:style>
+      <a:lnRef idx="2">
+        <a:scrgbClr r="0" g="0" b="0"/>
+      </a:lnRef>
+      <a:fillRef idx="1">
+        <a:scrgbClr r="0" g="0" b="0"/>
+      </a:fillRef>
+      <a:effectRef idx="0">
+        <a:scrgbClr r="0" g="0" b="0"/>
+      </a:effectRef>
+      <a:fontRef idx="minor"/>
+    </dgm:style>
+  </dgm:styleLbl>
+  <dgm:styleLbl name="fgAcc2">
+    <dgm:scene3d>
+      <a:camera prst="orthographicFront"/>
+      <a:lightRig rig="threePt" dir="t"/>
+    </dgm:scene3d>
+    <dgm:sp3d/>
+    <dgm:txPr/>
+    <dgm:style>
+      <a:lnRef idx="2">
+        <a:scrgbClr r="0" g="0" b="0"/>
+      </a:lnRef>
+      <a:fillRef idx="1">
+        <a:scrgbClr r="0" g="0" b="0"/>
+      </a:fillRef>
+      <a:effectRef idx="0">
+        <a:scrgbClr r="0" g="0" b="0"/>
+      </a:effectRef>
+      <a:fontRef idx="minor"/>
+    </dgm:style>
+  </dgm:styleLbl>
+  <dgm:styleLbl name="fgAcc3">
+    <dgm:scene3d>
+      <a:camera prst="orthographicFront"/>
+      <a:lightRig rig="threePt" dir="t"/>
+    </dgm:scene3d>
+    <dgm:sp3d/>
+    <dgm:txPr/>
+    <dgm:style>
+      <a:lnRef idx="2">
+        <a:scrgbClr r="0" g="0" b="0"/>
+      </a:lnRef>
+      <a:fillRef idx="1">
+        <a:scrgbClr r="0" g="0" b="0"/>
+      </a:fillRef>
+      <a:effectRef idx="0">
+        <a:scrgbClr r="0" g="0" b="0"/>
+      </a:effectRef>
+      <a:fontRef idx="minor"/>
+    </dgm:style>
+  </dgm:styleLbl>
+  <dgm:styleLbl name="fgAcc4">
+    <dgm:scene3d>
+      <a:camera prst="orthographicFront"/>
+      <a:lightRig rig="threePt" dir="t"/>
+    </dgm:scene3d>
+    <dgm:sp3d/>
+    <dgm:txPr/>
+    <dgm:style>
+      <a:lnRef idx="2">
+        <a:scrgbClr r="0" g="0" b="0"/>
+      </a:lnRef>
+      <a:fillRef idx="1">
+        <a:scrgbClr r="0" g="0" b="0"/>
+      </a:fillRef>
+      <a:effectRef idx="0">
+        <a:scrgbClr r="0" g="0" b="0"/>
+      </a:effectRef>
+      <a:fontRef idx="minor"/>
+    </dgm:style>
+  </dgm:styleLbl>
+  <dgm:styleLbl name="bgShp">
+    <dgm:scene3d>
+      <a:camera prst="orthographicFront"/>
+      <a:lightRig rig="threePt" dir="t"/>
+    </dgm:scene3d>
+    <dgm:sp3d/>
+    <dgm:txPr/>
+    <dgm:style>
+      <a:lnRef idx="0">
+        <a:scrgbClr r="0" g="0" b="0"/>
+      </a:lnRef>
+      <a:fillRef idx="1">
+        <a:scrgbClr r="0" g="0" b="0"/>
+      </a:fillRef>
+      <a:effectRef idx="0">
+        <a:scrgbClr r="0" g="0" b="0"/>
+      </a:effectRef>
+      <a:fontRef idx="minor"/>
+    </dgm:style>
+  </dgm:styleLbl>
+  <dgm:styleLbl name="dkBgShp">
+    <dgm:scene3d>
+      <a:camera prst="orthographicFront"/>
+      <a:lightRig rig="threePt" dir="t"/>
+    </dgm:scene3d>
+    <dgm:sp3d/>
+    <dgm:txPr/>
+    <dgm:style>
+      <a:lnRef idx="0">
+        <a:scrgbClr r="0" g="0" b="0"/>
+      </a:lnRef>
+      <a:fillRef idx="1">
+        <a:scrgbClr r="0" g="0" b="0"/>
+      </a:fillRef>
+      <a:effectRef idx="0">
+        <a:scrgbClr r="0" g="0" b="0"/>
+      </a:effectRef>
+      <a:fontRef idx="minor"/>
+    </dgm:style>
+  </dgm:styleLbl>
+  <dgm:styleLbl name="trBgShp">
+    <dgm:scene3d>
+      <a:camera prst="orthographicFront"/>
+      <a:lightRig rig="threePt" dir="t"/>
+    </dgm:scene3d>
+    <dgm:sp3d/>
+    <dgm:txPr/>
+    <dgm:style>
+      <a:lnRef idx="0">
+        <a:scrgbClr r="0" g="0" b="0"/>
+      </a:lnRef>
+      <a:fillRef idx="1">
+        <a:scrgbClr r="0" g="0" b="0"/>
+      </a:fillRef>
+      <a:effectRef idx="0">
+        <a:scrgbClr r="0" g="0" b="0"/>
+      </a:effectRef>
+      <a:fontRef idx="minor"/>
+    </dgm:style>
+  </dgm:styleLbl>
+  <dgm:styleLbl name="fgShp">
+    <dgm:scene3d>
+      <a:camera prst="orthographicFront"/>
+      <a:lightRig rig="threePt" dir="t"/>
+    </dgm:scene3d>
+    <dgm:sp3d/>
+    <dgm:txPr/>
+    <dgm:style>
+      <a:lnRef idx="2">
+        <a:scrgbClr r="0" g="0" b="0"/>
+      </a:lnRef>
+      <a:fillRef idx="1">
+        <a:scrgbClr r="0" g="0" b="0"/>
+      </a:fillRef>
+      <a:effectRef idx="0">
+        <a:scrgbClr r="0" g="0" b="0"/>
+      </a:effectRef>
+      <a:fontRef idx="minor"/>
+    </dgm:style>
+  </dgm:styleLbl>
+  <dgm:styleLbl name="revTx">
+    <dgm:scene3d>
+      <a:camera prst="orthographicFront"/>
+      <a:lightRig rig="threePt" dir="t"/>
+    </dgm:scene3d>
+    <dgm:sp3d/>
+    <dgm:txPr/>
+    <dgm:style>
+      <a:lnRef idx="0">
+        <a:scrgbClr r="0" g="0" b="0"/>
+      </a:lnRef>
+      <a:fillRef idx="0">
+        <a:scrgbClr r="0" g="0" b="0"/>
+      </a:fillRef>
+      <a:effectRef idx="0">
+        <a:scrgbClr r="0" g="0" b="0"/>
+      </a:effectRef>
+      <a:fontRef idx="minor"/>
+    </dgm:style>
+  </dgm:styleLbl>
+</dgm:styleDef>
+</file>
+
+<file path=ppt/diagrams/quickStyle3.xml><?xml version="1.0" encoding="utf-8"?>
 <dgm:styleDef xmlns:dgm="http://schemas.openxmlformats.org/drawingml/2006/diagram" xmlns:a="http://schemas.openxmlformats.org/drawingml/2006/main" uniqueId="urn:microsoft.com/office/officeart/2005/8/quickstyle/simple1">
   <dgm:title val=""/>
   <dgm:desc val=""/>
@@ -6013,7 +8534,7 @@
           <a:p>
             <a:fld id="{410493A6-C477-4833-8278-C225A595804C}" type="datetimeFigureOut">
               <a:rPr lang="fr-FR" smtClean="0"/>
-              <a:t>12/10/2023</a:t>
+              <a:t>18/10/2023</a:t>
             </a:fld>
             <a:endParaRPr lang="fr-FR"/>
           </a:p>
@@ -6221,7 +8742,7 @@
           <a:p>
             <a:fld id="{410493A6-C477-4833-8278-C225A595804C}" type="datetimeFigureOut">
               <a:rPr lang="fr-FR" smtClean="0"/>
-              <a:t>12/10/2023</a:t>
+              <a:t>18/10/2023</a:t>
             </a:fld>
             <a:endParaRPr lang="fr-FR"/>
           </a:p>
@@ -6477,7 +8998,7 @@
           <a:p>
             <a:fld id="{410493A6-C477-4833-8278-C225A595804C}" type="datetimeFigureOut">
               <a:rPr lang="fr-FR" smtClean="0"/>
-              <a:t>12/10/2023</a:t>
+              <a:t>18/10/2023</a:t>
             </a:fld>
             <a:endParaRPr lang="fr-FR"/>
           </a:p>
@@ -6647,7 +9168,7 @@
           <a:p>
             <a:fld id="{410493A6-C477-4833-8278-C225A595804C}" type="datetimeFigureOut">
               <a:rPr lang="fr-FR" smtClean="0"/>
-              <a:t>12/10/2023</a:t>
+              <a:t>18/10/2023</a:t>
             </a:fld>
             <a:endParaRPr lang="fr-FR"/>
           </a:p>
@@ -6990,7 +9511,7 @@
           <a:p>
             <a:fld id="{410493A6-C477-4833-8278-C225A595804C}" type="datetimeFigureOut">
               <a:rPr lang="fr-FR" smtClean="0"/>
-              <a:t>12/10/2023</a:t>
+              <a:t>18/10/2023</a:t>
             </a:fld>
             <a:endParaRPr lang="fr-FR"/>
           </a:p>
@@ -7265,7 +9786,7 @@
           <a:p>
             <a:fld id="{410493A6-C477-4833-8278-C225A595804C}" type="datetimeFigureOut">
               <a:rPr lang="fr-FR" smtClean="0"/>
-              <a:t>12/10/2023</a:t>
+              <a:t>18/10/2023</a:t>
             </a:fld>
             <a:endParaRPr lang="fr-FR"/>
           </a:p>
@@ -7644,7 +10165,7 @@
           <a:p>
             <a:fld id="{410493A6-C477-4833-8278-C225A595804C}" type="datetimeFigureOut">
               <a:rPr lang="fr-FR" smtClean="0"/>
-              <a:t>12/10/2023</a:t>
+              <a:t>18/10/2023</a:t>
             </a:fld>
             <a:endParaRPr lang="fr-FR"/>
           </a:p>
@@ -7762,7 +10283,7 @@
           <a:p>
             <a:fld id="{410493A6-C477-4833-8278-C225A595804C}" type="datetimeFigureOut">
               <a:rPr lang="fr-FR" smtClean="0"/>
-              <a:t>12/10/2023</a:t>
+              <a:t>18/10/2023</a:t>
             </a:fld>
             <a:endParaRPr lang="fr-FR"/>
           </a:p>
@@ -7933,7 +10454,7 @@
           <a:p>
             <a:fld id="{410493A6-C477-4833-8278-C225A595804C}" type="datetimeFigureOut">
               <a:rPr lang="fr-FR" smtClean="0"/>
-              <a:t>12/10/2023</a:t>
+              <a:t>18/10/2023</a:t>
             </a:fld>
             <a:endParaRPr lang="fr-FR"/>
           </a:p>
@@ -8287,7 +10808,7 @@
           <a:p>
             <a:fld id="{410493A6-C477-4833-8278-C225A595804C}" type="datetimeFigureOut">
               <a:rPr lang="fr-FR" smtClean="0"/>
-              <a:t>12/10/2023</a:t>
+              <a:t>18/10/2023</a:t>
             </a:fld>
             <a:endParaRPr lang="fr-FR"/>
           </a:p>
@@ -8664,7 +11185,7 @@
           <a:p>
             <a:fld id="{410493A6-C477-4833-8278-C225A595804C}" type="datetimeFigureOut">
               <a:rPr lang="fr-FR" smtClean="0"/>
-              <a:t>12/10/2023</a:t>
+              <a:t>18/10/2023</a:t>
             </a:fld>
             <a:endParaRPr lang="fr-FR"/>
           </a:p>
@@ -8951,7 +11472,7 @@
           <a:p>
             <a:fld id="{410493A6-C477-4833-8278-C225A595804C}" type="datetimeFigureOut">
               <a:rPr lang="fr-FR" smtClean="0"/>
-              <a:t>12/10/2023</a:t>
+              <a:t>18/10/2023</a:t>
             </a:fld>
             <a:endParaRPr lang="fr-FR"/>
           </a:p>
@@ -9626,6 +12147,932 @@
           <p:cNvPr id="2" name="Title 1">
             <a:extLst>
               <a:ext uri="{FF2B5EF4-FFF2-40B4-BE49-F238E27FC236}">
+                <a16:creationId xmlns:a16="http://schemas.microsoft.com/office/drawing/2014/main" id="{10A6E79C-7337-425C-AD7E-D6AD9FF66A06}"/>
+              </a:ext>
+            </a:extLst>
+          </p:cNvPr>
+          <p:cNvSpPr>
+            <a:spLocks noGrp="1"/>
+          </p:cNvSpPr>
+          <p:nvPr>
+            <p:ph type="title"/>
+          </p:nvPr>
+        </p:nvSpPr>
+        <p:spPr/>
+        <p:txBody>
+          <a:bodyPr/>
+          <a:lstStyle/>
+          <a:p>
+            <a:r>
+              <a:rPr lang="fr-FR" b="1" i="0" dirty="0" err="1">
+                <a:effectLst/>
+                <a:latin typeface="Söhne"/>
+              </a:rPr>
+              <a:t>Adding</a:t>
+            </a:r>
+            <a:r>
+              <a:rPr lang="fr-FR" b="1" dirty="0">
+                <a:latin typeface="Söhne"/>
+              </a:rPr>
+              <a:t> Pricing section – </a:t>
+            </a:r>
+            <a:r>
+              <a:rPr lang="fr-FR" b="1" dirty="0" err="1">
+                <a:latin typeface="Söhne"/>
+              </a:rPr>
+              <a:t>list</a:t>
+            </a:r>
+            <a:r>
+              <a:rPr lang="fr-FR" b="1" dirty="0">
+                <a:latin typeface="Söhne"/>
+              </a:rPr>
+              <a:t> items</a:t>
+            </a:r>
+            <a:endParaRPr lang="fr-FR" dirty="0"/>
+          </a:p>
+        </p:txBody>
+      </p:sp>
+      <p:sp>
+        <p:nvSpPr>
+          <p:cNvPr id="3" name="Content Placeholder 2">
+            <a:extLst>
+              <a:ext uri="{FF2B5EF4-FFF2-40B4-BE49-F238E27FC236}">
+                <a16:creationId xmlns:a16="http://schemas.microsoft.com/office/drawing/2014/main" id="{7B9B919F-05C1-4FDB-88E4-CB56552B7E8C}"/>
+              </a:ext>
+            </a:extLst>
+          </p:cNvPr>
+          <p:cNvSpPr>
+            <a:spLocks noGrp="1"/>
+          </p:cNvSpPr>
+          <p:nvPr>
+            <p:ph idx="1"/>
+          </p:nvPr>
+        </p:nvSpPr>
+        <p:spPr>
+          <a:xfrm>
+            <a:off x="1097280" y="2028615"/>
+            <a:ext cx="1765190" cy="500829"/>
+          </a:xfrm>
+        </p:spPr>
+        <p:txBody>
+          <a:bodyPr>
+            <a:normAutofit/>
+          </a:bodyPr>
+          <a:lstStyle/>
+          <a:p>
+            <a:pPr marL="0" indent="0">
+              <a:buNone/>
+            </a:pPr>
+            <a:r>
+              <a:rPr lang="fr-FR" b="0">
+                <a:solidFill>
+                  <a:srgbClr val="800000"/>
+                </a:solidFill>
+                <a:effectLst/>
+                <a:latin typeface="JetBrains Mono" panose="02000009000000000000" pitchFamily="49" charset="0"/>
+              </a:rPr>
+              <a:t>&lt;ul&gt;</a:t>
+            </a:r>
+            <a:endParaRPr lang="fr-FR" b="0" dirty="0">
+              <a:solidFill>
+                <a:srgbClr val="000000"/>
+              </a:solidFill>
+              <a:effectLst/>
+              <a:latin typeface="JetBrains Mono" panose="02000009000000000000" pitchFamily="49" charset="0"/>
+            </a:endParaRPr>
+          </a:p>
+        </p:txBody>
+      </p:sp>
+      <p:cxnSp>
+        <p:nvCxnSpPr>
+          <p:cNvPr id="5" name="Straight Arrow Connector 4">
+            <a:extLst>
+              <a:ext uri="{FF2B5EF4-FFF2-40B4-BE49-F238E27FC236}">
+                <a16:creationId xmlns:a16="http://schemas.microsoft.com/office/drawing/2014/main" id="{67F4EFEA-4DF1-4824-8E74-6991EEF9D1CC}"/>
+              </a:ext>
+            </a:extLst>
+          </p:cNvPr>
+          <p:cNvCxnSpPr>
+            <a:cxnSpLocks/>
+          </p:cNvCxnSpPr>
+          <p:nvPr/>
+        </p:nvCxnSpPr>
+        <p:spPr>
+          <a:xfrm>
+            <a:off x="1828800" y="2230045"/>
+            <a:ext cx="2638043" cy="0"/>
+          </a:xfrm>
+          <a:prstGeom prst="straightConnector1">
+            <a:avLst/>
+          </a:prstGeom>
+          <a:ln w="76200" cap="flat" cmpd="sng" algn="ctr">
+            <a:solidFill>
+              <a:schemeClr val="tx1"/>
+            </a:solidFill>
+            <a:prstDash val="solid"/>
+            <a:round/>
+            <a:headEnd type="none" w="med" len="med"/>
+            <a:tailEnd type="arrow" w="med" len="med"/>
+          </a:ln>
+        </p:spPr>
+        <p:style>
+          <a:lnRef idx="0">
+            <a:scrgbClr r="0" g="0" b="0"/>
+          </a:lnRef>
+          <a:fillRef idx="0">
+            <a:scrgbClr r="0" g="0" b="0"/>
+          </a:fillRef>
+          <a:effectRef idx="0">
+            <a:scrgbClr r="0" g="0" b="0"/>
+          </a:effectRef>
+          <a:fontRef idx="minor">
+            <a:schemeClr val="tx1"/>
+          </a:fontRef>
+        </p:style>
+      </p:cxnSp>
+      <p:sp>
+        <p:nvSpPr>
+          <p:cNvPr id="7" name="Content Placeholder 2">
+            <a:extLst>
+              <a:ext uri="{FF2B5EF4-FFF2-40B4-BE49-F238E27FC236}">
+                <a16:creationId xmlns:a16="http://schemas.microsoft.com/office/drawing/2014/main" id="{71204441-B046-49F1-A50A-7CDD95040888}"/>
+              </a:ext>
+            </a:extLst>
+          </p:cNvPr>
+          <p:cNvSpPr txBox="1">
+            <a:spLocks/>
+          </p:cNvSpPr>
+          <p:nvPr/>
+        </p:nvSpPr>
+        <p:spPr>
+          <a:xfrm>
+            <a:off x="4730163" y="2005572"/>
+            <a:ext cx="5059679" cy="672179"/>
+          </a:xfrm>
+          <a:prstGeom prst="rect">
+            <a:avLst/>
+          </a:prstGeom>
+        </p:spPr>
+        <p:txBody>
+          <a:bodyPr vert="horz" lIns="0" tIns="45720" rIns="0" bIns="45720" rtlCol="0">
+            <a:normAutofit/>
+          </a:bodyPr>
+          <a:lstStyle>
+            <a:lvl1pPr marL="91440" indent="-91440" algn="l" defTabSz="914400" rtl="0" eaLnBrk="1" latinLnBrk="0" hangingPunct="1">
+              <a:lnSpc>
+                <a:spcPct val="90000"/>
+              </a:lnSpc>
+              <a:spcBef>
+                <a:spcPts val="1200"/>
+              </a:spcBef>
+              <a:spcAft>
+                <a:spcPts val="200"/>
+              </a:spcAft>
+              <a:buClr>
+                <a:schemeClr val="accent1"/>
+              </a:buClr>
+              <a:buSzPct val="100000"/>
+              <a:buFont typeface="Calibri" panose="020F0502020204030204" pitchFamily="34" charset="0"/>
+              <a:buChar char=" "/>
+              <a:defRPr sz="2000" kern="1200">
+                <a:solidFill>
+                  <a:schemeClr val="tx1">
+                    <a:lumMod val="75000"/>
+                    <a:lumOff val="25000"/>
+                  </a:schemeClr>
+                </a:solidFill>
+                <a:latin typeface="+mn-lt"/>
+                <a:ea typeface="+mn-ea"/>
+                <a:cs typeface="+mn-cs"/>
+              </a:defRPr>
+            </a:lvl1pPr>
+            <a:lvl2pPr marL="384048" indent="-182880" algn="l" defTabSz="914400" rtl="0" eaLnBrk="1" latinLnBrk="0" hangingPunct="1">
+              <a:lnSpc>
+                <a:spcPct val="90000"/>
+              </a:lnSpc>
+              <a:spcBef>
+                <a:spcPts val="200"/>
+              </a:spcBef>
+              <a:spcAft>
+                <a:spcPts val="400"/>
+              </a:spcAft>
+              <a:buClr>
+                <a:schemeClr val="accent1"/>
+              </a:buClr>
+              <a:buFont typeface="Calibri" pitchFamily="34" charset="0"/>
+              <a:buChar char="◦"/>
+              <a:defRPr sz="1800" kern="1200">
+                <a:solidFill>
+                  <a:schemeClr val="tx1">
+                    <a:lumMod val="75000"/>
+                    <a:lumOff val="25000"/>
+                  </a:schemeClr>
+                </a:solidFill>
+                <a:latin typeface="+mn-lt"/>
+                <a:ea typeface="+mn-ea"/>
+                <a:cs typeface="+mn-cs"/>
+              </a:defRPr>
+            </a:lvl2pPr>
+            <a:lvl3pPr marL="566928" indent="-182880" algn="l" defTabSz="914400" rtl="0" eaLnBrk="1" latinLnBrk="0" hangingPunct="1">
+              <a:lnSpc>
+                <a:spcPct val="90000"/>
+              </a:lnSpc>
+              <a:spcBef>
+                <a:spcPts val="200"/>
+              </a:spcBef>
+              <a:spcAft>
+                <a:spcPts val="400"/>
+              </a:spcAft>
+              <a:buClr>
+                <a:schemeClr val="accent1"/>
+              </a:buClr>
+              <a:buFont typeface="Calibri" pitchFamily="34" charset="0"/>
+              <a:buChar char="◦"/>
+              <a:defRPr sz="1400" kern="1200">
+                <a:solidFill>
+                  <a:schemeClr val="tx1">
+                    <a:lumMod val="75000"/>
+                    <a:lumOff val="25000"/>
+                  </a:schemeClr>
+                </a:solidFill>
+                <a:latin typeface="+mn-lt"/>
+                <a:ea typeface="+mn-ea"/>
+                <a:cs typeface="+mn-cs"/>
+              </a:defRPr>
+            </a:lvl3pPr>
+            <a:lvl4pPr marL="749808" indent="-182880" algn="l" defTabSz="914400" rtl="0" eaLnBrk="1" latinLnBrk="0" hangingPunct="1">
+              <a:lnSpc>
+                <a:spcPct val="90000"/>
+              </a:lnSpc>
+              <a:spcBef>
+                <a:spcPts val="200"/>
+              </a:spcBef>
+              <a:spcAft>
+                <a:spcPts val="400"/>
+              </a:spcAft>
+              <a:buClr>
+                <a:schemeClr val="accent1"/>
+              </a:buClr>
+              <a:buFont typeface="Calibri" pitchFamily="34" charset="0"/>
+              <a:buChar char="◦"/>
+              <a:defRPr sz="1400" kern="1200">
+                <a:solidFill>
+                  <a:schemeClr val="tx1">
+                    <a:lumMod val="75000"/>
+                    <a:lumOff val="25000"/>
+                  </a:schemeClr>
+                </a:solidFill>
+                <a:latin typeface="+mn-lt"/>
+                <a:ea typeface="+mn-ea"/>
+                <a:cs typeface="+mn-cs"/>
+              </a:defRPr>
+            </a:lvl4pPr>
+            <a:lvl5pPr marL="932688" indent="-182880" algn="l" defTabSz="914400" rtl="0" eaLnBrk="1" latinLnBrk="0" hangingPunct="1">
+              <a:lnSpc>
+                <a:spcPct val="90000"/>
+              </a:lnSpc>
+              <a:spcBef>
+                <a:spcPts val="200"/>
+              </a:spcBef>
+              <a:spcAft>
+                <a:spcPts val="400"/>
+              </a:spcAft>
+              <a:buClr>
+                <a:schemeClr val="accent1"/>
+              </a:buClr>
+              <a:buFont typeface="Calibri" pitchFamily="34" charset="0"/>
+              <a:buChar char="◦"/>
+              <a:defRPr sz="1400" kern="1200">
+                <a:solidFill>
+                  <a:schemeClr val="tx1">
+                    <a:lumMod val="75000"/>
+                    <a:lumOff val="25000"/>
+                  </a:schemeClr>
+                </a:solidFill>
+                <a:latin typeface="+mn-lt"/>
+                <a:ea typeface="+mn-ea"/>
+                <a:cs typeface="+mn-cs"/>
+              </a:defRPr>
+            </a:lvl5pPr>
+            <a:lvl6pPr marL="1100000" indent="-228600" algn="l" defTabSz="914400" rtl="0" eaLnBrk="1" latinLnBrk="0" hangingPunct="1">
+              <a:lnSpc>
+                <a:spcPct val="90000"/>
+              </a:lnSpc>
+              <a:spcBef>
+                <a:spcPts val="200"/>
+              </a:spcBef>
+              <a:spcAft>
+                <a:spcPts val="400"/>
+              </a:spcAft>
+              <a:buClr>
+                <a:schemeClr val="accent1"/>
+              </a:buClr>
+              <a:buFont typeface="Calibri" pitchFamily="34" charset="0"/>
+              <a:buChar char="◦"/>
+              <a:defRPr sz="1400" kern="1200">
+                <a:solidFill>
+                  <a:schemeClr val="tx1">
+                    <a:lumMod val="75000"/>
+                    <a:lumOff val="25000"/>
+                  </a:schemeClr>
+                </a:solidFill>
+                <a:latin typeface="+mn-lt"/>
+                <a:ea typeface="+mn-ea"/>
+                <a:cs typeface="+mn-cs"/>
+              </a:defRPr>
+            </a:lvl6pPr>
+            <a:lvl7pPr marL="1300000" indent="-228600" algn="l" defTabSz="914400" rtl="0" eaLnBrk="1" latinLnBrk="0" hangingPunct="1">
+              <a:lnSpc>
+                <a:spcPct val="90000"/>
+              </a:lnSpc>
+              <a:spcBef>
+                <a:spcPts val="200"/>
+              </a:spcBef>
+              <a:spcAft>
+                <a:spcPts val="400"/>
+              </a:spcAft>
+              <a:buClr>
+                <a:schemeClr val="accent1"/>
+              </a:buClr>
+              <a:buFont typeface="Calibri" pitchFamily="34" charset="0"/>
+              <a:buChar char="◦"/>
+              <a:defRPr sz="1400" kern="1200">
+                <a:solidFill>
+                  <a:schemeClr val="tx1">
+                    <a:lumMod val="75000"/>
+                    <a:lumOff val="25000"/>
+                  </a:schemeClr>
+                </a:solidFill>
+                <a:latin typeface="+mn-lt"/>
+                <a:ea typeface="+mn-ea"/>
+                <a:cs typeface="+mn-cs"/>
+              </a:defRPr>
+            </a:lvl7pPr>
+            <a:lvl8pPr marL="1500000" indent="-228600" algn="l" defTabSz="914400" rtl="0" eaLnBrk="1" latinLnBrk="0" hangingPunct="1">
+              <a:lnSpc>
+                <a:spcPct val="90000"/>
+              </a:lnSpc>
+              <a:spcBef>
+                <a:spcPts val="200"/>
+              </a:spcBef>
+              <a:spcAft>
+                <a:spcPts val="400"/>
+              </a:spcAft>
+              <a:buClr>
+                <a:schemeClr val="accent1"/>
+              </a:buClr>
+              <a:buFont typeface="Calibri" pitchFamily="34" charset="0"/>
+              <a:buChar char="◦"/>
+              <a:defRPr sz="1400" kern="1200">
+                <a:solidFill>
+                  <a:schemeClr val="tx1">
+                    <a:lumMod val="75000"/>
+                    <a:lumOff val="25000"/>
+                  </a:schemeClr>
+                </a:solidFill>
+                <a:latin typeface="+mn-lt"/>
+                <a:ea typeface="+mn-ea"/>
+                <a:cs typeface="+mn-cs"/>
+              </a:defRPr>
+            </a:lvl8pPr>
+            <a:lvl9pPr marL="1700000" indent="-228600" algn="l" defTabSz="914400" rtl="0" eaLnBrk="1" latinLnBrk="0" hangingPunct="1">
+              <a:lnSpc>
+                <a:spcPct val="90000"/>
+              </a:lnSpc>
+              <a:spcBef>
+                <a:spcPts val="200"/>
+              </a:spcBef>
+              <a:spcAft>
+                <a:spcPts val="400"/>
+              </a:spcAft>
+              <a:buClr>
+                <a:schemeClr val="accent1"/>
+              </a:buClr>
+              <a:buFont typeface="Calibri" pitchFamily="34" charset="0"/>
+              <a:buChar char="◦"/>
+              <a:defRPr sz="1400" kern="1200">
+                <a:solidFill>
+                  <a:schemeClr val="tx1">
+                    <a:lumMod val="75000"/>
+                    <a:lumOff val="25000"/>
+                  </a:schemeClr>
+                </a:solidFill>
+                <a:latin typeface="+mn-lt"/>
+                <a:ea typeface="+mn-ea"/>
+                <a:cs typeface="+mn-cs"/>
+              </a:defRPr>
+            </a:lvl9pPr>
+          </a:lstStyle>
+          <a:p>
+            <a:pPr marL="0" indent="0">
+              <a:buFont typeface="Calibri" panose="020F0502020204030204" pitchFamily="34" charset="0"/>
+              <a:buNone/>
+            </a:pPr>
+            <a:r>
+              <a:rPr lang="en-US" dirty="0">
+                <a:solidFill>
+                  <a:schemeClr val="tx1"/>
+                </a:solidFill>
+              </a:rPr>
+              <a:t>This is an unordered list &lt;ul&gt;</a:t>
+            </a:r>
+            <a:endParaRPr lang="fr-FR" dirty="0">
+              <a:solidFill>
+                <a:schemeClr val="tx1"/>
+              </a:solidFill>
+            </a:endParaRPr>
+          </a:p>
+        </p:txBody>
+      </p:sp>
+      <p:sp>
+        <p:nvSpPr>
+          <p:cNvPr id="9" name="Content Placeholder 2">
+            <a:extLst>
+              <a:ext uri="{FF2B5EF4-FFF2-40B4-BE49-F238E27FC236}">
+                <a16:creationId xmlns:a16="http://schemas.microsoft.com/office/drawing/2014/main" id="{5E85AC06-F763-4DC7-811A-EEB8071175A7}"/>
+              </a:ext>
+            </a:extLst>
+          </p:cNvPr>
+          <p:cNvSpPr txBox="1">
+            <a:spLocks/>
+          </p:cNvSpPr>
+          <p:nvPr/>
+        </p:nvSpPr>
+        <p:spPr>
+          <a:xfrm>
+            <a:off x="4730163" y="2934209"/>
+            <a:ext cx="6029739" cy="494792"/>
+          </a:xfrm>
+          <a:prstGeom prst="rect">
+            <a:avLst/>
+          </a:prstGeom>
+        </p:spPr>
+        <p:txBody>
+          <a:bodyPr vert="horz" lIns="0" tIns="45720" rIns="0" bIns="45720" rtlCol="0">
+            <a:normAutofit/>
+          </a:bodyPr>
+          <a:lstStyle>
+            <a:lvl1pPr marL="91440" indent="-91440" algn="l" defTabSz="914400" rtl="0" eaLnBrk="1" latinLnBrk="0" hangingPunct="1">
+              <a:lnSpc>
+                <a:spcPct val="90000"/>
+              </a:lnSpc>
+              <a:spcBef>
+                <a:spcPts val="1200"/>
+              </a:spcBef>
+              <a:spcAft>
+                <a:spcPts val="200"/>
+              </a:spcAft>
+              <a:buClr>
+                <a:schemeClr val="accent1"/>
+              </a:buClr>
+              <a:buSzPct val="100000"/>
+              <a:buFont typeface="Calibri" panose="020F0502020204030204" pitchFamily="34" charset="0"/>
+              <a:buChar char=" "/>
+              <a:defRPr sz="2000" kern="1200">
+                <a:solidFill>
+                  <a:schemeClr val="tx1">
+                    <a:lumMod val="75000"/>
+                    <a:lumOff val="25000"/>
+                  </a:schemeClr>
+                </a:solidFill>
+                <a:latin typeface="+mn-lt"/>
+                <a:ea typeface="+mn-ea"/>
+                <a:cs typeface="+mn-cs"/>
+              </a:defRPr>
+            </a:lvl1pPr>
+            <a:lvl2pPr marL="384048" indent="-182880" algn="l" defTabSz="914400" rtl="0" eaLnBrk="1" latinLnBrk="0" hangingPunct="1">
+              <a:lnSpc>
+                <a:spcPct val="90000"/>
+              </a:lnSpc>
+              <a:spcBef>
+                <a:spcPts val="200"/>
+              </a:spcBef>
+              <a:spcAft>
+                <a:spcPts val="400"/>
+              </a:spcAft>
+              <a:buClr>
+                <a:schemeClr val="accent1"/>
+              </a:buClr>
+              <a:buFont typeface="Calibri" pitchFamily="34" charset="0"/>
+              <a:buChar char="◦"/>
+              <a:defRPr sz="1800" kern="1200">
+                <a:solidFill>
+                  <a:schemeClr val="tx1">
+                    <a:lumMod val="75000"/>
+                    <a:lumOff val="25000"/>
+                  </a:schemeClr>
+                </a:solidFill>
+                <a:latin typeface="+mn-lt"/>
+                <a:ea typeface="+mn-ea"/>
+                <a:cs typeface="+mn-cs"/>
+              </a:defRPr>
+            </a:lvl2pPr>
+            <a:lvl3pPr marL="566928" indent="-182880" algn="l" defTabSz="914400" rtl="0" eaLnBrk="1" latinLnBrk="0" hangingPunct="1">
+              <a:lnSpc>
+                <a:spcPct val="90000"/>
+              </a:lnSpc>
+              <a:spcBef>
+                <a:spcPts val="200"/>
+              </a:spcBef>
+              <a:spcAft>
+                <a:spcPts val="400"/>
+              </a:spcAft>
+              <a:buClr>
+                <a:schemeClr val="accent1"/>
+              </a:buClr>
+              <a:buFont typeface="Calibri" pitchFamily="34" charset="0"/>
+              <a:buChar char="◦"/>
+              <a:defRPr sz="1400" kern="1200">
+                <a:solidFill>
+                  <a:schemeClr val="tx1">
+                    <a:lumMod val="75000"/>
+                    <a:lumOff val="25000"/>
+                  </a:schemeClr>
+                </a:solidFill>
+                <a:latin typeface="+mn-lt"/>
+                <a:ea typeface="+mn-ea"/>
+                <a:cs typeface="+mn-cs"/>
+              </a:defRPr>
+            </a:lvl3pPr>
+            <a:lvl4pPr marL="749808" indent="-182880" algn="l" defTabSz="914400" rtl="0" eaLnBrk="1" latinLnBrk="0" hangingPunct="1">
+              <a:lnSpc>
+                <a:spcPct val="90000"/>
+              </a:lnSpc>
+              <a:spcBef>
+                <a:spcPts val="200"/>
+              </a:spcBef>
+              <a:spcAft>
+                <a:spcPts val="400"/>
+              </a:spcAft>
+              <a:buClr>
+                <a:schemeClr val="accent1"/>
+              </a:buClr>
+              <a:buFont typeface="Calibri" pitchFamily="34" charset="0"/>
+              <a:buChar char="◦"/>
+              <a:defRPr sz="1400" kern="1200">
+                <a:solidFill>
+                  <a:schemeClr val="tx1">
+                    <a:lumMod val="75000"/>
+                    <a:lumOff val="25000"/>
+                  </a:schemeClr>
+                </a:solidFill>
+                <a:latin typeface="+mn-lt"/>
+                <a:ea typeface="+mn-ea"/>
+                <a:cs typeface="+mn-cs"/>
+              </a:defRPr>
+            </a:lvl4pPr>
+            <a:lvl5pPr marL="932688" indent="-182880" algn="l" defTabSz="914400" rtl="0" eaLnBrk="1" latinLnBrk="0" hangingPunct="1">
+              <a:lnSpc>
+                <a:spcPct val="90000"/>
+              </a:lnSpc>
+              <a:spcBef>
+                <a:spcPts val="200"/>
+              </a:spcBef>
+              <a:spcAft>
+                <a:spcPts val="400"/>
+              </a:spcAft>
+              <a:buClr>
+                <a:schemeClr val="accent1"/>
+              </a:buClr>
+              <a:buFont typeface="Calibri" pitchFamily="34" charset="0"/>
+              <a:buChar char="◦"/>
+              <a:defRPr sz="1400" kern="1200">
+                <a:solidFill>
+                  <a:schemeClr val="tx1">
+                    <a:lumMod val="75000"/>
+                    <a:lumOff val="25000"/>
+                  </a:schemeClr>
+                </a:solidFill>
+                <a:latin typeface="+mn-lt"/>
+                <a:ea typeface="+mn-ea"/>
+                <a:cs typeface="+mn-cs"/>
+              </a:defRPr>
+            </a:lvl5pPr>
+            <a:lvl6pPr marL="1100000" indent="-228600" algn="l" defTabSz="914400" rtl="0" eaLnBrk="1" latinLnBrk="0" hangingPunct="1">
+              <a:lnSpc>
+                <a:spcPct val="90000"/>
+              </a:lnSpc>
+              <a:spcBef>
+                <a:spcPts val="200"/>
+              </a:spcBef>
+              <a:spcAft>
+                <a:spcPts val="400"/>
+              </a:spcAft>
+              <a:buClr>
+                <a:schemeClr val="accent1"/>
+              </a:buClr>
+              <a:buFont typeface="Calibri" pitchFamily="34" charset="0"/>
+              <a:buChar char="◦"/>
+              <a:defRPr sz="1400" kern="1200">
+                <a:solidFill>
+                  <a:schemeClr val="tx1">
+                    <a:lumMod val="75000"/>
+                    <a:lumOff val="25000"/>
+                  </a:schemeClr>
+                </a:solidFill>
+                <a:latin typeface="+mn-lt"/>
+                <a:ea typeface="+mn-ea"/>
+                <a:cs typeface="+mn-cs"/>
+              </a:defRPr>
+            </a:lvl6pPr>
+            <a:lvl7pPr marL="1300000" indent="-228600" algn="l" defTabSz="914400" rtl="0" eaLnBrk="1" latinLnBrk="0" hangingPunct="1">
+              <a:lnSpc>
+                <a:spcPct val="90000"/>
+              </a:lnSpc>
+              <a:spcBef>
+                <a:spcPts val="200"/>
+              </a:spcBef>
+              <a:spcAft>
+                <a:spcPts val="400"/>
+              </a:spcAft>
+              <a:buClr>
+                <a:schemeClr val="accent1"/>
+              </a:buClr>
+              <a:buFont typeface="Calibri" pitchFamily="34" charset="0"/>
+              <a:buChar char="◦"/>
+              <a:defRPr sz="1400" kern="1200">
+                <a:solidFill>
+                  <a:schemeClr val="tx1">
+                    <a:lumMod val="75000"/>
+                    <a:lumOff val="25000"/>
+                  </a:schemeClr>
+                </a:solidFill>
+                <a:latin typeface="+mn-lt"/>
+                <a:ea typeface="+mn-ea"/>
+                <a:cs typeface="+mn-cs"/>
+              </a:defRPr>
+            </a:lvl7pPr>
+            <a:lvl8pPr marL="1500000" indent="-228600" algn="l" defTabSz="914400" rtl="0" eaLnBrk="1" latinLnBrk="0" hangingPunct="1">
+              <a:lnSpc>
+                <a:spcPct val="90000"/>
+              </a:lnSpc>
+              <a:spcBef>
+                <a:spcPts val="200"/>
+              </a:spcBef>
+              <a:spcAft>
+                <a:spcPts val="400"/>
+              </a:spcAft>
+              <a:buClr>
+                <a:schemeClr val="accent1"/>
+              </a:buClr>
+              <a:buFont typeface="Calibri" pitchFamily="34" charset="0"/>
+              <a:buChar char="◦"/>
+              <a:defRPr sz="1400" kern="1200">
+                <a:solidFill>
+                  <a:schemeClr val="tx1">
+                    <a:lumMod val="75000"/>
+                    <a:lumOff val="25000"/>
+                  </a:schemeClr>
+                </a:solidFill>
+                <a:latin typeface="+mn-lt"/>
+                <a:ea typeface="+mn-ea"/>
+                <a:cs typeface="+mn-cs"/>
+              </a:defRPr>
+            </a:lvl8pPr>
+            <a:lvl9pPr marL="1700000" indent="-228600" algn="l" defTabSz="914400" rtl="0" eaLnBrk="1" latinLnBrk="0" hangingPunct="1">
+              <a:lnSpc>
+                <a:spcPct val="90000"/>
+              </a:lnSpc>
+              <a:spcBef>
+                <a:spcPts val="200"/>
+              </a:spcBef>
+              <a:spcAft>
+                <a:spcPts val="400"/>
+              </a:spcAft>
+              <a:buClr>
+                <a:schemeClr val="accent1"/>
+              </a:buClr>
+              <a:buFont typeface="Calibri" pitchFamily="34" charset="0"/>
+              <a:buChar char="◦"/>
+              <a:defRPr sz="1400" kern="1200">
+                <a:solidFill>
+                  <a:schemeClr val="tx1">
+                    <a:lumMod val="75000"/>
+                    <a:lumOff val="25000"/>
+                  </a:schemeClr>
+                </a:solidFill>
+                <a:latin typeface="+mn-lt"/>
+                <a:ea typeface="+mn-ea"/>
+                <a:cs typeface="+mn-cs"/>
+              </a:defRPr>
+            </a:lvl9pPr>
+          </a:lstStyle>
+          <a:p>
+            <a:pPr marL="0" indent="0">
+              <a:buFont typeface="Calibri" panose="020F0502020204030204" pitchFamily="34" charset="0"/>
+              <a:buNone/>
+            </a:pPr>
+            <a:r>
+              <a:rPr lang="fr-FR" b="0" i="0" dirty="0">
+                <a:solidFill>
+                  <a:schemeClr val="tx1"/>
+                </a:solidFill>
+                <a:effectLst/>
+                <a:latin typeface="Söhne"/>
+              </a:rPr>
+              <a:t>List item</a:t>
+            </a:r>
+            <a:endParaRPr lang="fr-FR" dirty="0">
+              <a:solidFill>
+                <a:schemeClr val="tx1"/>
+              </a:solidFill>
+            </a:endParaRPr>
+          </a:p>
+        </p:txBody>
+      </p:sp>
+      <p:cxnSp>
+        <p:nvCxnSpPr>
+          <p:cNvPr id="10" name="Straight Arrow Connector 9">
+            <a:extLst>
+              <a:ext uri="{FF2B5EF4-FFF2-40B4-BE49-F238E27FC236}">
+                <a16:creationId xmlns:a16="http://schemas.microsoft.com/office/drawing/2014/main" id="{1ABFC74D-B23F-4925-A55F-07E4795A81D8}"/>
+              </a:ext>
+            </a:extLst>
+          </p:cNvPr>
+          <p:cNvCxnSpPr>
+            <a:cxnSpLocks/>
+          </p:cNvCxnSpPr>
+          <p:nvPr/>
+        </p:nvCxnSpPr>
+        <p:spPr>
+          <a:xfrm>
+            <a:off x="1882497" y="3109533"/>
+            <a:ext cx="2652158" cy="0"/>
+          </a:xfrm>
+          <a:prstGeom prst="straightConnector1">
+            <a:avLst/>
+          </a:prstGeom>
+          <a:ln w="76200" cap="flat" cmpd="sng" algn="ctr">
+            <a:solidFill>
+              <a:schemeClr val="tx1"/>
+            </a:solidFill>
+            <a:prstDash val="solid"/>
+            <a:round/>
+            <a:headEnd type="none" w="med" len="med"/>
+            <a:tailEnd type="arrow" w="med" len="med"/>
+          </a:ln>
+        </p:spPr>
+        <p:style>
+          <a:lnRef idx="0">
+            <a:scrgbClr r="0" g="0" b="0"/>
+          </a:lnRef>
+          <a:fillRef idx="0">
+            <a:scrgbClr r="0" g="0" b="0"/>
+          </a:fillRef>
+          <a:effectRef idx="0">
+            <a:scrgbClr r="0" g="0" b="0"/>
+          </a:effectRef>
+          <a:fontRef idx="minor">
+            <a:schemeClr val="tx1"/>
+          </a:fontRef>
+        </p:style>
+      </p:cxnSp>
+      <p:sp>
+        <p:nvSpPr>
+          <p:cNvPr id="12" name="TextBox 11">
+            <a:extLst>
+              <a:ext uri="{FF2B5EF4-FFF2-40B4-BE49-F238E27FC236}">
+                <a16:creationId xmlns:a16="http://schemas.microsoft.com/office/drawing/2014/main" id="{66698BBA-3A66-4D2A-9D55-CC00D2A28051}"/>
+              </a:ext>
+            </a:extLst>
+          </p:cNvPr>
+          <p:cNvSpPr txBox="1"/>
+          <p:nvPr/>
+        </p:nvSpPr>
+        <p:spPr>
+          <a:xfrm>
+            <a:off x="1097280" y="2851545"/>
+            <a:ext cx="1248355" cy="646331"/>
+          </a:xfrm>
+          <a:prstGeom prst="rect">
+            <a:avLst/>
+          </a:prstGeom>
+          <a:noFill/>
+        </p:spPr>
+        <p:txBody>
+          <a:bodyPr wrap="square">
+            <a:spAutoFit/>
+          </a:bodyPr>
+          <a:lstStyle/>
+          <a:p>
+            <a:r>
+              <a:rPr lang="fr-FR" b="0" dirty="0">
+                <a:solidFill>
+                  <a:srgbClr val="800000"/>
+                </a:solidFill>
+                <a:effectLst/>
+                <a:latin typeface="JetBrains Mono" panose="02000009000000000000" pitchFamily="49" charset="0"/>
+              </a:rPr>
+              <a:t>&lt;li&gt;</a:t>
+            </a:r>
+          </a:p>
+          <a:p>
+            <a:r>
+              <a:rPr lang="fr-FR" dirty="0">
+                <a:solidFill>
+                  <a:srgbClr val="800000"/>
+                </a:solidFill>
+                <a:latin typeface="JetBrains Mono" panose="02000009000000000000" pitchFamily="49" charset="0"/>
+              </a:rPr>
+              <a:t>…</a:t>
+            </a:r>
+            <a:r>
+              <a:rPr lang="fr-FR" b="0" dirty="0">
+                <a:solidFill>
+                  <a:srgbClr val="800000"/>
+                </a:solidFill>
+                <a:effectLst/>
+                <a:latin typeface="JetBrains Mono" panose="02000009000000000000" pitchFamily="49" charset="0"/>
+              </a:rPr>
+              <a:t>&lt;/li&gt;</a:t>
+            </a:r>
+            <a:endParaRPr lang="fr-FR" b="0" dirty="0">
+              <a:solidFill>
+                <a:srgbClr val="000000"/>
+              </a:solidFill>
+              <a:effectLst/>
+              <a:latin typeface="JetBrains Mono" panose="02000009000000000000" pitchFamily="49" charset="0"/>
+            </a:endParaRPr>
+          </a:p>
+        </p:txBody>
+      </p:sp>
+      <p:sp>
+        <p:nvSpPr>
+          <p:cNvPr id="11" name="TextBox 10">
+            <a:extLst>
+              <a:ext uri="{FF2B5EF4-FFF2-40B4-BE49-F238E27FC236}">
+                <a16:creationId xmlns:a16="http://schemas.microsoft.com/office/drawing/2014/main" id="{3C81F41A-9ECC-4A60-86B6-CB28C5E452F1}"/>
+              </a:ext>
+            </a:extLst>
+          </p:cNvPr>
+          <p:cNvSpPr txBox="1"/>
+          <p:nvPr/>
+        </p:nvSpPr>
+        <p:spPr>
+          <a:xfrm>
+            <a:off x="1097280" y="6409081"/>
+            <a:ext cx="7115542" cy="369332"/>
+          </a:xfrm>
+          <a:prstGeom prst="rect">
+            <a:avLst/>
+          </a:prstGeom>
+          <a:noFill/>
+        </p:spPr>
+        <p:txBody>
+          <a:bodyPr wrap="square">
+            <a:spAutoFit/>
+          </a:bodyPr>
+          <a:lstStyle/>
+          <a:p>
+            <a:r>
+              <a:rPr lang="en-GB" dirty="0">
+                <a:solidFill>
+                  <a:schemeClr val="accent1">
+                    <a:lumMod val="50000"/>
+                  </a:schemeClr>
+                </a:solidFill>
+              </a:rPr>
+              <a:t> JS Sessions – Full Stack Web Development</a:t>
+            </a:r>
+            <a:endParaRPr lang="fr-FR" dirty="0"/>
+          </a:p>
+        </p:txBody>
+      </p:sp>
+    </p:spTree>
+    <p:extLst>
+      <p:ext uri="{BB962C8B-B14F-4D97-AF65-F5344CB8AC3E}">
+        <p14:creationId xmlns:p14="http://schemas.microsoft.com/office/powerpoint/2010/main" val="3218775249"/>
+      </p:ext>
+    </p:extLst>
+  </p:cSld>
+  <p:clrMapOvr>
+    <a:masterClrMapping/>
+  </p:clrMapOvr>
+</p:sld>
+</file>
+
+<file path=ppt/slides/slide11.xml><?xml version="1.0" encoding="utf-8"?>
+<p:sld xmlns:a="http://schemas.openxmlformats.org/drawingml/2006/main" xmlns:r="http://schemas.openxmlformats.org/officeDocument/2006/relationships" xmlns:p="http://schemas.openxmlformats.org/presentationml/2006/main">
+  <p:cSld>
+    <p:spTree>
+      <p:nvGrpSpPr>
+        <p:cNvPr id="1" name=""/>
+        <p:cNvGrpSpPr/>
+        <p:nvPr/>
+      </p:nvGrpSpPr>
+      <p:grpSpPr>
+        <a:xfrm>
+          <a:off x="0" y="0"/>
+          <a:ext cx="0" cy="0"/>
+          <a:chOff x="0" y="0"/>
+          <a:chExt cx="0" cy="0"/>
+        </a:xfrm>
+      </p:grpSpPr>
+      <p:sp>
+        <p:nvSpPr>
+          <p:cNvPr id="2" name="Title 1">
+            <a:extLst>
+              <a:ext uri="{FF2B5EF4-FFF2-40B4-BE49-F238E27FC236}">
                 <a16:creationId xmlns:a16="http://schemas.microsoft.com/office/drawing/2014/main" id="{D79C418B-4026-4687-92F7-264371B56E8B}"/>
               </a:ext>
             </a:extLst>
@@ -9727,6 +13174,137 @@
           <a:lstStyle/>
           <a:p>
             <a:r>
+              <a:rPr lang="fr-FR" dirty="0"/>
+              <a:t>Agenda</a:t>
+            </a:r>
+          </a:p>
+        </p:txBody>
+      </p:sp>
+      <p:graphicFrame>
+        <p:nvGraphicFramePr>
+          <p:cNvPr id="5" name="Content Placeholder 4">
+            <a:extLst>
+              <a:ext uri="{FF2B5EF4-FFF2-40B4-BE49-F238E27FC236}">
+                <a16:creationId xmlns:a16="http://schemas.microsoft.com/office/drawing/2014/main" id="{D2DC05D4-49AB-492C-A93C-2719CB5B2F56}"/>
+              </a:ext>
+            </a:extLst>
+          </p:cNvPr>
+          <p:cNvGraphicFramePr>
+            <a:graphicFrameLocks noGrp="1"/>
+          </p:cNvGraphicFramePr>
+          <p:nvPr>
+            <p:ph idx="1"/>
+            <p:extLst>
+              <p:ext uri="{D42A27DB-BD31-4B8C-83A1-F6EECF244321}">
+                <p14:modId xmlns:p14="http://schemas.microsoft.com/office/powerpoint/2010/main" val="1511038504"/>
+              </p:ext>
+            </p:extLst>
+          </p:nvPr>
+        </p:nvGraphicFramePr>
+        <p:xfrm>
+          <a:off x="1097280" y="1845734"/>
+          <a:ext cx="10058400" cy="4023360"/>
+        </p:xfrm>
+        <a:graphic>
+          <a:graphicData uri="http://schemas.openxmlformats.org/drawingml/2006/diagram">
+            <dgm:relIds xmlns:dgm="http://schemas.openxmlformats.org/drawingml/2006/diagram" xmlns:r="http://schemas.openxmlformats.org/officeDocument/2006/relationships" r:dm="rId2" r:lo="rId3" r:qs="rId4" r:cs="rId5"/>
+          </a:graphicData>
+        </a:graphic>
+      </p:graphicFrame>
+      <p:sp>
+        <p:nvSpPr>
+          <p:cNvPr id="4" name="TextBox 3">
+            <a:extLst>
+              <a:ext uri="{FF2B5EF4-FFF2-40B4-BE49-F238E27FC236}">
+                <a16:creationId xmlns:a16="http://schemas.microsoft.com/office/drawing/2014/main" id="{0AC67184-91FA-461E-B408-AB4E50330515}"/>
+              </a:ext>
+            </a:extLst>
+          </p:cNvPr>
+          <p:cNvSpPr txBox="1"/>
+          <p:nvPr/>
+        </p:nvSpPr>
+        <p:spPr>
+          <a:xfrm>
+            <a:off x="1097280" y="6409081"/>
+            <a:ext cx="7115542" cy="369332"/>
+          </a:xfrm>
+          <a:prstGeom prst="rect">
+            <a:avLst/>
+          </a:prstGeom>
+          <a:noFill/>
+        </p:spPr>
+        <p:txBody>
+          <a:bodyPr wrap="square">
+            <a:spAutoFit/>
+          </a:bodyPr>
+          <a:lstStyle/>
+          <a:p>
+            <a:r>
+              <a:rPr lang="en-GB" dirty="0">
+                <a:solidFill>
+                  <a:schemeClr val="accent1">
+                    <a:lumMod val="50000"/>
+                  </a:schemeClr>
+                </a:solidFill>
+              </a:rPr>
+              <a:t> JS Sessions – Full Stack Web Development</a:t>
+            </a:r>
+            <a:endParaRPr lang="fr-FR" dirty="0"/>
+          </a:p>
+        </p:txBody>
+      </p:sp>
+    </p:spTree>
+    <p:extLst>
+      <p:ext uri="{BB962C8B-B14F-4D97-AF65-F5344CB8AC3E}">
+        <p14:creationId xmlns:p14="http://schemas.microsoft.com/office/powerpoint/2010/main" val="3117829345"/>
+      </p:ext>
+    </p:extLst>
+  </p:cSld>
+  <p:clrMapOvr>
+    <a:masterClrMapping/>
+  </p:clrMapOvr>
+</p:sld>
+</file>
+
+<file path=ppt/slides/slide3.xml><?xml version="1.0" encoding="utf-8"?>
+<p:sld xmlns:a="http://schemas.openxmlformats.org/drawingml/2006/main" xmlns:r="http://schemas.openxmlformats.org/officeDocument/2006/relationships" xmlns:p="http://schemas.openxmlformats.org/presentationml/2006/main">
+  <p:cSld>
+    <p:spTree>
+      <p:nvGrpSpPr>
+        <p:cNvPr id="1" name=""/>
+        <p:cNvGrpSpPr/>
+        <p:nvPr/>
+      </p:nvGrpSpPr>
+      <p:grpSpPr>
+        <a:xfrm>
+          <a:off x="0" y="0"/>
+          <a:ext cx="0" cy="0"/>
+          <a:chOff x="0" y="0"/>
+          <a:chExt cx="0" cy="0"/>
+        </a:xfrm>
+      </p:grpSpPr>
+      <p:sp>
+        <p:nvSpPr>
+          <p:cNvPr id="2" name="Title 1">
+            <a:extLst>
+              <a:ext uri="{FF2B5EF4-FFF2-40B4-BE49-F238E27FC236}">
+                <a16:creationId xmlns:a16="http://schemas.microsoft.com/office/drawing/2014/main" id="{10A6E79C-7337-425C-AD7E-D6AD9FF66A06}"/>
+              </a:ext>
+            </a:extLst>
+          </p:cNvPr>
+          <p:cNvSpPr>
+            <a:spLocks noGrp="1"/>
+          </p:cNvSpPr>
+          <p:nvPr>
+            <p:ph type="title"/>
+          </p:nvPr>
+        </p:nvSpPr>
+        <p:spPr/>
+        <p:txBody>
+          <a:bodyPr/>
+          <a:lstStyle/>
+          <a:p>
+            <a:r>
               <a:rPr lang="fr-FR" b="1" i="0" dirty="0" err="1">
                 <a:effectLst/>
                 <a:latin typeface="Söhne"/>
@@ -10245,7 +13823,7 @@
 </p:sld>
 </file>
 
-<file path=ppt/slides/slide3.xml><?xml version="1.0" encoding="utf-8"?>
+<file path=ppt/slides/slide4.xml><?xml version="1.0" encoding="utf-8"?>
 <p:sld xmlns:a="http://schemas.openxmlformats.org/drawingml/2006/main" xmlns:r="http://schemas.openxmlformats.org/officeDocument/2006/relationships" xmlns:p="http://schemas.openxmlformats.org/presentationml/2006/main">
   <p:cSld>
     <p:spTree>
@@ -10383,7 +13961,7 @@
 </p:sld>
 </file>
 
-<file path=ppt/slides/slide4.xml><?xml version="1.0" encoding="utf-8"?>
+<file path=ppt/slides/slide5.xml><?xml version="1.0" encoding="utf-8"?>
 <p:sld xmlns:a="http://schemas.openxmlformats.org/drawingml/2006/main" xmlns:r="http://schemas.openxmlformats.org/officeDocument/2006/relationships" xmlns:p="http://schemas.openxmlformats.org/presentationml/2006/main">
   <p:cSld>
     <p:spTree>
@@ -10530,7 +14108,7 @@
 </p:sld>
 </file>
 
-<file path=ppt/slides/slide5.xml><?xml version="1.0" encoding="utf-8"?>
+<file path=ppt/slides/slide6.xml><?xml version="1.0" encoding="utf-8"?>
 <p:sld xmlns:a="http://schemas.openxmlformats.org/drawingml/2006/main" xmlns:r="http://schemas.openxmlformats.org/officeDocument/2006/relationships" xmlns:p="http://schemas.openxmlformats.org/presentationml/2006/main">
   <p:cSld>
     <p:spTree>
@@ -12110,7 +15688,7 @@
 </p:sld>
 </file>
 
-<file path=ppt/slides/slide6.xml><?xml version="1.0" encoding="utf-8"?>
+<file path=ppt/slides/slide7.xml><?xml version="1.0" encoding="utf-8"?>
 <p:sld xmlns:a="http://schemas.openxmlformats.org/drawingml/2006/main" xmlns:r="http://schemas.openxmlformats.org/officeDocument/2006/relationships" xmlns:p="http://schemas.openxmlformats.org/presentationml/2006/main">
   <p:cSld>
     <p:spTree>
@@ -13514,7 +17092,7 @@
 </p:sld>
 </file>
 
-<file path=ppt/slides/slide7.xml><?xml version="1.0" encoding="utf-8"?>
+<file path=ppt/slides/slide8.xml><?xml version="1.0" encoding="utf-8"?>
 <p:sld xmlns:a="http://schemas.openxmlformats.org/drawingml/2006/main" xmlns:r="http://schemas.openxmlformats.org/officeDocument/2006/relationships" xmlns:p="http://schemas.openxmlformats.org/presentationml/2006/main">
   <p:cSld>
     <p:spTree>
@@ -15256,7 +18834,7 @@
 </p:sld>
 </file>
 
-<file path=ppt/slides/slide8.xml><?xml version="1.0" encoding="utf-8"?>
+<file path=ppt/slides/slide9.xml><?xml version="1.0" encoding="utf-8"?>
 <p:sld xmlns:a="http://schemas.openxmlformats.org/drawingml/2006/main" xmlns:r="http://schemas.openxmlformats.org/officeDocument/2006/relationships" xmlns:p="http://schemas.openxmlformats.org/presentationml/2006/main">
   <p:cSld>
     <p:spTree>
@@ -17017,932 +20595,6 @@
     <p:extLst>
       <p:ext uri="{BB962C8B-B14F-4D97-AF65-F5344CB8AC3E}">
         <p14:creationId xmlns:p14="http://schemas.microsoft.com/office/powerpoint/2010/main" val="3539255118"/>
-      </p:ext>
-    </p:extLst>
-  </p:cSld>
-  <p:clrMapOvr>
-    <a:masterClrMapping/>
-  </p:clrMapOvr>
-</p:sld>
-</file>
-
-<file path=ppt/slides/slide9.xml><?xml version="1.0" encoding="utf-8"?>
-<p:sld xmlns:a="http://schemas.openxmlformats.org/drawingml/2006/main" xmlns:r="http://schemas.openxmlformats.org/officeDocument/2006/relationships" xmlns:p="http://schemas.openxmlformats.org/presentationml/2006/main">
-  <p:cSld>
-    <p:spTree>
-      <p:nvGrpSpPr>
-        <p:cNvPr id="1" name=""/>
-        <p:cNvGrpSpPr/>
-        <p:nvPr/>
-      </p:nvGrpSpPr>
-      <p:grpSpPr>
-        <a:xfrm>
-          <a:off x="0" y="0"/>
-          <a:ext cx="0" cy="0"/>
-          <a:chOff x="0" y="0"/>
-          <a:chExt cx="0" cy="0"/>
-        </a:xfrm>
-      </p:grpSpPr>
-      <p:sp>
-        <p:nvSpPr>
-          <p:cNvPr id="2" name="Title 1">
-            <a:extLst>
-              <a:ext uri="{FF2B5EF4-FFF2-40B4-BE49-F238E27FC236}">
-                <a16:creationId xmlns:a16="http://schemas.microsoft.com/office/drawing/2014/main" id="{10A6E79C-7337-425C-AD7E-D6AD9FF66A06}"/>
-              </a:ext>
-            </a:extLst>
-          </p:cNvPr>
-          <p:cNvSpPr>
-            <a:spLocks noGrp="1"/>
-          </p:cNvSpPr>
-          <p:nvPr>
-            <p:ph type="title"/>
-          </p:nvPr>
-        </p:nvSpPr>
-        <p:spPr/>
-        <p:txBody>
-          <a:bodyPr/>
-          <a:lstStyle/>
-          <a:p>
-            <a:r>
-              <a:rPr lang="fr-FR" b="1" i="0" dirty="0" err="1">
-                <a:effectLst/>
-                <a:latin typeface="Söhne"/>
-              </a:rPr>
-              <a:t>Adding</a:t>
-            </a:r>
-            <a:r>
-              <a:rPr lang="fr-FR" b="1" dirty="0">
-                <a:latin typeface="Söhne"/>
-              </a:rPr>
-              <a:t> Pricing section – </a:t>
-            </a:r>
-            <a:r>
-              <a:rPr lang="fr-FR" b="1" dirty="0" err="1">
-                <a:latin typeface="Söhne"/>
-              </a:rPr>
-              <a:t>list</a:t>
-            </a:r>
-            <a:r>
-              <a:rPr lang="fr-FR" b="1" dirty="0">
-                <a:latin typeface="Söhne"/>
-              </a:rPr>
-              <a:t> items</a:t>
-            </a:r>
-            <a:endParaRPr lang="fr-FR" dirty="0"/>
-          </a:p>
-        </p:txBody>
-      </p:sp>
-      <p:sp>
-        <p:nvSpPr>
-          <p:cNvPr id="3" name="Content Placeholder 2">
-            <a:extLst>
-              <a:ext uri="{FF2B5EF4-FFF2-40B4-BE49-F238E27FC236}">
-                <a16:creationId xmlns:a16="http://schemas.microsoft.com/office/drawing/2014/main" id="{7B9B919F-05C1-4FDB-88E4-CB56552B7E8C}"/>
-              </a:ext>
-            </a:extLst>
-          </p:cNvPr>
-          <p:cNvSpPr>
-            <a:spLocks noGrp="1"/>
-          </p:cNvSpPr>
-          <p:nvPr>
-            <p:ph idx="1"/>
-          </p:nvPr>
-        </p:nvSpPr>
-        <p:spPr>
-          <a:xfrm>
-            <a:off x="1097280" y="2028615"/>
-            <a:ext cx="1765190" cy="500829"/>
-          </a:xfrm>
-        </p:spPr>
-        <p:txBody>
-          <a:bodyPr>
-            <a:normAutofit/>
-          </a:bodyPr>
-          <a:lstStyle/>
-          <a:p>
-            <a:pPr marL="0" indent="0">
-              <a:buNone/>
-            </a:pPr>
-            <a:r>
-              <a:rPr lang="fr-FR" b="0">
-                <a:solidFill>
-                  <a:srgbClr val="800000"/>
-                </a:solidFill>
-                <a:effectLst/>
-                <a:latin typeface="JetBrains Mono" panose="02000009000000000000" pitchFamily="49" charset="0"/>
-              </a:rPr>
-              <a:t>&lt;ul&gt;</a:t>
-            </a:r>
-            <a:endParaRPr lang="fr-FR" b="0" dirty="0">
-              <a:solidFill>
-                <a:srgbClr val="000000"/>
-              </a:solidFill>
-              <a:effectLst/>
-              <a:latin typeface="JetBrains Mono" panose="02000009000000000000" pitchFamily="49" charset="0"/>
-            </a:endParaRPr>
-          </a:p>
-        </p:txBody>
-      </p:sp>
-      <p:cxnSp>
-        <p:nvCxnSpPr>
-          <p:cNvPr id="5" name="Straight Arrow Connector 4">
-            <a:extLst>
-              <a:ext uri="{FF2B5EF4-FFF2-40B4-BE49-F238E27FC236}">
-                <a16:creationId xmlns:a16="http://schemas.microsoft.com/office/drawing/2014/main" id="{67F4EFEA-4DF1-4824-8E74-6991EEF9D1CC}"/>
-              </a:ext>
-            </a:extLst>
-          </p:cNvPr>
-          <p:cNvCxnSpPr>
-            <a:cxnSpLocks/>
-          </p:cNvCxnSpPr>
-          <p:nvPr/>
-        </p:nvCxnSpPr>
-        <p:spPr>
-          <a:xfrm>
-            <a:off x="1828800" y="2230045"/>
-            <a:ext cx="2638043" cy="0"/>
-          </a:xfrm>
-          <a:prstGeom prst="straightConnector1">
-            <a:avLst/>
-          </a:prstGeom>
-          <a:ln w="76200" cap="flat" cmpd="sng" algn="ctr">
-            <a:solidFill>
-              <a:schemeClr val="tx1"/>
-            </a:solidFill>
-            <a:prstDash val="solid"/>
-            <a:round/>
-            <a:headEnd type="none" w="med" len="med"/>
-            <a:tailEnd type="arrow" w="med" len="med"/>
-          </a:ln>
-        </p:spPr>
-        <p:style>
-          <a:lnRef idx="0">
-            <a:scrgbClr r="0" g="0" b="0"/>
-          </a:lnRef>
-          <a:fillRef idx="0">
-            <a:scrgbClr r="0" g="0" b="0"/>
-          </a:fillRef>
-          <a:effectRef idx="0">
-            <a:scrgbClr r="0" g="0" b="0"/>
-          </a:effectRef>
-          <a:fontRef idx="minor">
-            <a:schemeClr val="tx1"/>
-          </a:fontRef>
-        </p:style>
-      </p:cxnSp>
-      <p:sp>
-        <p:nvSpPr>
-          <p:cNvPr id="7" name="Content Placeholder 2">
-            <a:extLst>
-              <a:ext uri="{FF2B5EF4-FFF2-40B4-BE49-F238E27FC236}">
-                <a16:creationId xmlns:a16="http://schemas.microsoft.com/office/drawing/2014/main" id="{71204441-B046-49F1-A50A-7CDD95040888}"/>
-              </a:ext>
-            </a:extLst>
-          </p:cNvPr>
-          <p:cNvSpPr txBox="1">
-            <a:spLocks/>
-          </p:cNvSpPr>
-          <p:nvPr/>
-        </p:nvSpPr>
-        <p:spPr>
-          <a:xfrm>
-            <a:off x="4730163" y="2005572"/>
-            <a:ext cx="5059679" cy="672179"/>
-          </a:xfrm>
-          <a:prstGeom prst="rect">
-            <a:avLst/>
-          </a:prstGeom>
-        </p:spPr>
-        <p:txBody>
-          <a:bodyPr vert="horz" lIns="0" tIns="45720" rIns="0" bIns="45720" rtlCol="0">
-            <a:normAutofit/>
-          </a:bodyPr>
-          <a:lstStyle>
-            <a:lvl1pPr marL="91440" indent="-91440" algn="l" defTabSz="914400" rtl="0" eaLnBrk="1" latinLnBrk="0" hangingPunct="1">
-              <a:lnSpc>
-                <a:spcPct val="90000"/>
-              </a:lnSpc>
-              <a:spcBef>
-                <a:spcPts val="1200"/>
-              </a:spcBef>
-              <a:spcAft>
-                <a:spcPts val="200"/>
-              </a:spcAft>
-              <a:buClr>
-                <a:schemeClr val="accent1"/>
-              </a:buClr>
-              <a:buSzPct val="100000"/>
-              <a:buFont typeface="Calibri" panose="020F0502020204030204" pitchFamily="34" charset="0"/>
-              <a:buChar char=" "/>
-              <a:defRPr sz="2000" kern="1200">
-                <a:solidFill>
-                  <a:schemeClr val="tx1">
-                    <a:lumMod val="75000"/>
-                    <a:lumOff val="25000"/>
-                  </a:schemeClr>
-                </a:solidFill>
-                <a:latin typeface="+mn-lt"/>
-                <a:ea typeface="+mn-ea"/>
-                <a:cs typeface="+mn-cs"/>
-              </a:defRPr>
-            </a:lvl1pPr>
-            <a:lvl2pPr marL="384048" indent="-182880" algn="l" defTabSz="914400" rtl="0" eaLnBrk="1" latinLnBrk="0" hangingPunct="1">
-              <a:lnSpc>
-                <a:spcPct val="90000"/>
-              </a:lnSpc>
-              <a:spcBef>
-                <a:spcPts val="200"/>
-              </a:spcBef>
-              <a:spcAft>
-                <a:spcPts val="400"/>
-              </a:spcAft>
-              <a:buClr>
-                <a:schemeClr val="accent1"/>
-              </a:buClr>
-              <a:buFont typeface="Calibri" pitchFamily="34" charset="0"/>
-              <a:buChar char="◦"/>
-              <a:defRPr sz="1800" kern="1200">
-                <a:solidFill>
-                  <a:schemeClr val="tx1">
-                    <a:lumMod val="75000"/>
-                    <a:lumOff val="25000"/>
-                  </a:schemeClr>
-                </a:solidFill>
-                <a:latin typeface="+mn-lt"/>
-                <a:ea typeface="+mn-ea"/>
-                <a:cs typeface="+mn-cs"/>
-              </a:defRPr>
-            </a:lvl2pPr>
-            <a:lvl3pPr marL="566928" indent="-182880" algn="l" defTabSz="914400" rtl="0" eaLnBrk="1" latinLnBrk="0" hangingPunct="1">
-              <a:lnSpc>
-                <a:spcPct val="90000"/>
-              </a:lnSpc>
-              <a:spcBef>
-                <a:spcPts val="200"/>
-              </a:spcBef>
-              <a:spcAft>
-                <a:spcPts val="400"/>
-              </a:spcAft>
-              <a:buClr>
-                <a:schemeClr val="accent1"/>
-              </a:buClr>
-              <a:buFont typeface="Calibri" pitchFamily="34" charset="0"/>
-              <a:buChar char="◦"/>
-              <a:defRPr sz="1400" kern="1200">
-                <a:solidFill>
-                  <a:schemeClr val="tx1">
-                    <a:lumMod val="75000"/>
-                    <a:lumOff val="25000"/>
-                  </a:schemeClr>
-                </a:solidFill>
-                <a:latin typeface="+mn-lt"/>
-                <a:ea typeface="+mn-ea"/>
-                <a:cs typeface="+mn-cs"/>
-              </a:defRPr>
-            </a:lvl3pPr>
-            <a:lvl4pPr marL="749808" indent="-182880" algn="l" defTabSz="914400" rtl="0" eaLnBrk="1" latinLnBrk="0" hangingPunct="1">
-              <a:lnSpc>
-                <a:spcPct val="90000"/>
-              </a:lnSpc>
-              <a:spcBef>
-                <a:spcPts val="200"/>
-              </a:spcBef>
-              <a:spcAft>
-                <a:spcPts val="400"/>
-              </a:spcAft>
-              <a:buClr>
-                <a:schemeClr val="accent1"/>
-              </a:buClr>
-              <a:buFont typeface="Calibri" pitchFamily="34" charset="0"/>
-              <a:buChar char="◦"/>
-              <a:defRPr sz="1400" kern="1200">
-                <a:solidFill>
-                  <a:schemeClr val="tx1">
-                    <a:lumMod val="75000"/>
-                    <a:lumOff val="25000"/>
-                  </a:schemeClr>
-                </a:solidFill>
-                <a:latin typeface="+mn-lt"/>
-                <a:ea typeface="+mn-ea"/>
-                <a:cs typeface="+mn-cs"/>
-              </a:defRPr>
-            </a:lvl4pPr>
-            <a:lvl5pPr marL="932688" indent="-182880" algn="l" defTabSz="914400" rtl="0" eaLnBrk="1" latinLnBrk="0" hangingPunct="1">
-              <a:lnSpc>
-                <a:spcPct val="90000"/>
-              </a:lnSpc>
-              <a:spcBef>
-                <a:spcPts val="200"/>
-              </a:spcBef>
-              <a:spcAft>
-                <a:spcPts val="400"/>
-              </a:spcAft>
-              <a:buClr>
-                <a:schemeClr val="accent1"/>
-              </a:buClr>
-              <a:buFont typeface="Calibri" pitchFamily="34" charset="0"/>
-              <a:buChar char="◦"/>
-              <a:defRPr sz="1400" kern="1200">
-                <a:solidFill>
-                  <a:schemeClr val="tx1">
-                    <a:lumMod val="75000"/>
-                    <a:lumOff val="25000"/>
-                  </a:schemeClr>
-                </a:solidFill>
-                <a:latin typeface="+mn-lt"/>
-                <a:ea typeface="+mn-ea"/>
-                <a:cs typeface="+mn-cs"/>
-              </a:defRPr>
-            </a:lvl5pPr>
-            <a:lvl6pPr marL="1100000" indent="-228600" algn="l" defTabSz="914400" rtl="0" eaLnBrk="1" latinLnBrk="0" hangingPunct="1">
-              <a:lnSpc>
-                <a:spcPct val="90000"/>
-              </a:lnSpc>
-              <a:spcBef>
-                <a:spcPts val="200"/>
-              </a:spcBef>
-              <a:spcAft>
-                <a:spcPts val="400"/>
-              </a:spcAft>
-              <a:buClr>
-                <a:schemeClr val="accent1"/>
-              </a:buClr>
-              <a:buFont typeface="Calibri" pitchFamily="34" charset="0"/>
-              <a:buChar char="◦"/>
-              <a:defRPr sz="1400" kern="1200">
-                <a:solidFill>
-                  <a:schemeClr val="tx1">
-                    <a:lumMod val="75000"/>
-                    <a:lumOff val="25000"/>
-                  </a:schemeClr>
-                </a:solidFill>
-                <a:latin typeface="+mn-lt"/>
-                <a:ea typeface="+mn-ea"/>
-                <a:cs typeface="+mn-cs"/>
-              </a:defRPr>
-            </a:lvl6pPr>
-            <a:lvl7pPr marL="1300000" indent="-228600" algn="l" defTabSz="914400" rtl="0" eaLnBrk="1" latinLnBrk="0" hangingPunct="1">
-              <a:lnSpc>
-                <a:spcPct val="90000"/>
-              </a:lnSpc>
-              <a:spcBef>
-                <a:spcPts val="200"/>
-              </a:spcBef>
-              <a:spcAft>
-                <a:spcPts val="400"/>
-              </a:spcAft>
-              <a:buClr>
-                <a:schemeClr val="accent1"/>
-              </a:buClr>
-              <a:buFont typeface="Calibri" pitchFamily="34" charset="0"/>
-              <a:buChar char="◦"/>
-              <a:defRPr sz="1400" kern="1200">
-                <a:solidFill>
-                  <a:schemeClr val="tx1">
-                    <a:lumMod val="75000"/>
-                    <a:lumOff val="25000"/>
-                  </a:schemeClr>
-                </a:solidFill>
-                <a:latin typeface="+mn-lt"/>
-                <a:ea typeface="+mn-ea"/>
-                <a:cs typeface="+mn-cs"/>
-              </a:defRPr>
-            </a:lvl7pPr>
-            <a:lvl8pPr marL="1500000" indent="-228600" algn="l" defTabSz="914400" rtl="0" eaLnBrk="1" latinLnBrk="0" hangingPunct="1">
-              <a:lnSpc>
-                <a:spcPct val="90000"/>
-              </a:lnSpc>
-              <a:spcBef>
-                <a:spcPts val="200"/>
-              </a:spcBef>
-              <a:spcAft>
-                <a:spcPts val="400"/>
-              </a:spcAft>
-              <a:buClr>
-                <a:schemeClr val="accent1"/>
-              </a:buClr>
-              <a:buFont typeface="Calibri" pitchFamily="34" charset="0"/>
-              <a:buChar char="◦"/>
-              <a:defRPr sz="1400" kern="1200">
-                <a:solidFill>
-                  <a:schemeClr val="tx1">
-                    <a:lumMod val="75000"/>
-                    <a:lumOff val="25000"/>
-                  </a:schemeClr>
-                </a:solidFill>
-                <a:latin typeface="+mn-lt"/>
-                <a:ea typeface="+mn-ea"/>
-                <a:cs typeface="+mn-cs"/>
-              </a:defRPr>
-            </a:lvl8pPr>
-            <a:lvl9pPr marL="1700000" indent="-228600" algn="l" defTabSz="914400" rtl="0" eaLnBrk="1" latinLnBrk="0" hangingPunct="1">
-              <a:lnSpc>
-                <a:spcPct val="90000"/>
-              </a:lnSpc>
-              <a:spcBef>
-                <a:spcPts val="200"/>
-              </a:spcBef>
-              <a:spcAft>
-                <a:spcPts val="400"/>
-              </a:spcAft>
-              <a:buClr>
-                <a:schemeClr val="accent1"/>
-              </a:buClr>
-              <a:buFont typeface="Calibri" pitchFamily="34" charset="0"/>
-              <a:buChar char="◦"/>
-              <a:defRPr sz="1400" kern="1200">
-                <a:solidFill>
-                  <a:schemeClr val="tx1">
-                    <a:lumMod val="75000"/>
-                    <a:lumOff val="25000"/>
-                  </a:schemeClr>
-                </a:solidFill>
-                <a:latin typeface="+mn-lt"/>
-                <a:ea typeface="+mn-ea"/>
-                <a:cs typeface="+mn-cs"/>
-              </a:defRPr>
-            </a:lvl9pPr>
-          </a:lstStyle>
-          <a:p>
-            <a:pPr marL="0" indent="0">
-              <a:buFont typeface="Calibri" panose="020F0502020204030204" pitchFamily="34" charset="0"/>
-              <a:buNone/>
-            </a:pPr>
-            <a:r>
-              <a:rPr lang="en-US" dirty="0">
-                <a:solidFill>
-                  <a:schemeClr val="tx1"/>
-                </a:solidFill>
-              </a:rPr>
-              <a:t>This is an unordered list &lt;ul&gt;</a:t>
-            </a:r>
-            <a:endParaRPr lang="fr-FR" dirty="0">
-              <a:solidFill>
-                <a:schemeClr val="tx1"/>
-              </a:solidFill>
-            </a:endParaRPr>
-          </a:p>
-        </p:txBody>
-      </p:sp>
-      <p:sp>
-        <p:nvSpPr>
-          <p:cNvPr id="9" name="Content Placeholder 2">
-            <a:extLst>
-              <a:ext uri="{FF2B5EF4-FFF2-40B4-BE49-F238E27FC236}">
-                <a16:creationId xmlns:a16="http://schemas.microsoft.com/office/drawing/2014/main" id="{5E85AC06-F763-4DC7-811A-EEB8071175A7}"/>
-              </a:ext>
-            </a:extLst>
-          </p:cNvPr>
-          <p:cNvSpPr txBox="1">
-            <a:spLocks/>
-          </p:cNvSpPr>
-          <p:nvPr/>
-        </p:nvSpPr>
-        <p:spPr>
-          <a:xfrm>
-            <a:off x="4730163" y="2934209"/>
-            <a:ext cx="6029739" cy="494792"/>
-          </a:xfrm>
-          <a:prstGeom prst="rect">
-            <a:avLst/>
-          </a:prstGeom>
-        </p:spPr>
-        <p:txBody>
-          <a:bodyPr vert="horz" lIns="0" tIns="45720" rIns="0" bIns="45720" rtlCol="0">
-            <a:normAutofit/>
-          </a:bodyPr>
-          <a:lstStyle>
-            <a:lvl1pPr marL="91440" indent="-91440" algn="l" defTabSz="914400" rtl="0" eaLnBrk="1" latinLnBrk="0" hangingPunct="1">
-              <a:lnSpc>
-                <a:spcPct val="90000"/>
-              </a:lnSpc>
-              <a:spcBef>
-                <a:spcPts val="1200"/>
-              </a:spcBef>
-              <a:spcAft>
-                <a:spcPts val="200"/>
-              </a:spcAft>
-              <a:buClr>
-                <a:schemeClr val="accent1"/>
-              </a:buClr>
-              <a:buSzPct val="100000"/>
-              <a:buFont typeface="Calibri" panose="020F0502020204030204" pitchFamily="34" charset="0"/>
-              <a:buChar char=" "/>
-              <a:defRPr sz="2000" kern="1200">
-                <a:solidFill>
-                  <a:schemeClr val="tx1">
-                    <a:lumMod val="75000"/>
-                    <a:lumOff val="25000"/>
-                  </a:schemeClr>
-                </a:solidFill>
-                <a:latin typeface="+mn-lt"/>
-                <a:ea typeface="+mn-ea"/>
-                <a:cs typeface="+mn-cs"/>
-              </a:defRPr>
-            </a:lvl1pPr>
-            <a:lvl2pPr marL="384048" indent="-182880" algn="l" defTabSz="914400" rtl="0" eaLnBrk="1" latinLnBrk="0" hangingPunct="1">
-              <a:lnSpc>
-                <a:spcPct val="90000"/>
-              </a:lnSpc>
-              <a:spcBef>
-                <a:spcPts val="200"/>
-              </a:spcBef>
-              <a:spcAft>
-                <a:spcPts val="400"/>
-              </a:spcAft>
-              <a:buClr>
-                <a:schemeClr val="accent1"/>
-              </a:buClr>
-              <a:buFont typeface="Calibri" pitchFamily="34" charset="0"/>
-              <a:buChar char="◦"/>
-              <a:defRPr sz="1800" kern="1200">
-                <a:solidFill>
-                  <a:schemeClr val="tx1">
-                    <a:lumMod val="75000"/>
-                    <a:lumOff val="25000"/>
-                  </a:schemeClr>
-                </a:solidFill>
-                <a:latin typeface="+mn-lt"/>
-                <a:ea typeface="+mn-ea"/>
-                <a:cs typeface="+mn-cs"/>
-              </a:defRPr>
-            </a:lvl2pPr>
-            <a:lvl3pPr marL="566928" indent="-182880" algn="l" defTabSz="914400" rtl="0" eaLnBrk="1" latinLnBrk="0" hangingPunct="1">
-              <a:lnSpc>
-                <a:spcPct val="90000"/>
-              </a:lnSpc>
-              <a:spcBef>
-                <a:spcPts val="200"/>
-              </a:spcBef>
-              <a:spcAft>
-                <a:spcPts val="400"/>
-              </a:spcAft>
-              <a:buClr>
-                <a:schemeClr val="accent1"/>
-              </a:buClr>
-              <a:buFont typeface="Calibri" pitchFamily="34" charset="0"/>
-              <a:buChar char="◦"/>
-              <a:defRPr sz="1400" kern="1200">
-                <a:solidFill>
-                  <a:schemeClr val="tx1">
-                    <a:lumMod val="75000"/>
-                    <a:lumOff val="25000"/>
-                  </a:schemeClr>
-                </a:solidFill>
-                <a:latin typeface="+mn-lt"/>
-                <a:ea typeface="+mn-ea"/>
-                <a:cs typeface="+mn-cs"/>
-              </a:defRPr>
-            </a:lvl3pPr>
-            <a:lvl4pPr marL="749808" indent="-182880" algn="l" defTabSz="914400" rtl="0" eaLnBrk="1" latinLnBrk="0" hangingPunct="1">
-              <a:lnSpc>
-                <a:spcPct val="90000"/>
-              </a:lnSpc>
-              <a:spcBef>
-                <a:spcPts val="200"/>
-              </a:spcBef>
-              <a:spcAft>
-                <a:spcPts val="400"/>
-              </a:spcAft>
-              <a:buClr>
-                <a:schemeClr val="accent1"/>
-              </a:buClr>
-              <a:buFont typeface="Calibri" pitchFamily="34" charset="0"/>
-              <a:buChar char="◦"/>
-              <a:defRPr sz="1400" kern="1200">
-                <a:solidFill>
-                  <a:schemeClr val="tx1">
-                    <a:lumMod val="75000"/>
-                    <a:lumOff val="25000"/>
-                  </a:schemeClr>
-                </a:solidFill>
-                <a:latin typeface="+mn-lt"/>
-                <a:ea typeface="+mn-ea"/>
-                <a:cs typeface="+mn-cs"/>
-              </a:defRPr>
-            </a:lvl4pPr>
-            <a:lvl5pPr marL="932688" indent="-182880" algn="l" defTabSz="914400" rtl="0" eaLnBrk="1" latinLnBrk="0" hangingPunct="1">
-              <a:lnSpc>
-                <a:spcPct val="90000"/>
-              </a:lnSpc>
-              <a:spcBef>
-                <a:spcPts val="200"/>
-              </a:spcBef>
-              <a:spcAft>
-                <a:spcPts val="400"/>
-              </a:spcAft>
-              <a:buClr>
-                <a:schemeClr val="accent1"/>
-              </a:buClr>
-              <a:buFont typeface="Calibri" pitchFamily="34" charset="0"/>
-              <a:buChar char="◦"/>
-              <a:defRPr sz="1400" kern="1200">
-                <a:solidFill>
-                  <a:schemeClr val="tx1">
-                    <a:lumMod val="75000"/>
-                    <a:lumOff val="25000"/>
-                  </a:schemeClr>
-                </a:solidFill>
-                <a:latin typeface="+mn-lt"/>
-                <a:ea typeface="+mn-ea"/>
-                <a:cs typeface="+mn-cs"/>
-              </a:defRPr>
-            </a:lvl5pPr>
-            <a:lvl6pPr marL="1100000" indent="-228600" algn="l" defTabSz="914400" rtl="0" eaLnBrk="1" latinLnBrk="0" hangingPunct="1">
-              <a:lnSpc>
-                <a:spcPct val="90000"/>
-              </a:lnSpc>
-              <a:spcBef>
-                <a:spcPts val="200"/>
-              </a:spcBef>
-              <a:spcAft>
-                <a:spcPts val="400"/>
-              </a:spcAft>
-              <a:buClr>
-                <a:schemeClr val="accent1"/>
-              </a:buClr>
-              <a:buFont typeface="Calibri" pitchFamily="34" charset="0"/>
-              <a:buChar char="◦"/>
-              <a:defRPr sz="1400" kern="1200">
-                <a:solidFill>
-                  <a:schemeClr val="tx1">
-                    <a:lumMod val="75000"/>
-                    <a:lumOff val="25000"/>
-                  </a:schemeClr>
-                </a:solidFill>
-                <a:latin typeface="+mn-lt"/>
-                <a:ea typeface="+mn-ea"/>
-                <a:cs typeface="+mn-cs"/>
-              </a:defRPr>
-            </a:lvl6pPr>
-            <a:lvl7pPr marL="1300000" indent="-228600" algn="l" defTabSz="914400" rtl="0" eaLnBrk="1" latinLnBrk="0" hangingPunct="1">
-              <a:lnSpc>
-                <a:spcPct val="90000"/>
-              </a:lnSpc>
-              <a:spcBef>
-                <a:spcPts val="200"/>
-              </a:spcBef>
-              <a:spcAft>
-                <a:spcPts val="400"/>
-              </a:spcAft>
-              <a:buClr>
-                <a:schemeClr val="accent1"/>
-              </a:buClr>
-              <a:buFont typeface="Calibri" pitchFamily="34" charset="0"/>
-              <a:buChar char="◦"/>
-              <a:defRPr sz="1400" kern="1200">
-                <a:solidFill>
-                  <a:schemeClr val="tx1">
-                    <a:lumMod val="75000"/>
-                    <a:lumOff val="25000"/>
-                  </a:schemeClr>
-                </a:solidFill>
-                <a:latin typeface="+mn-lt"/>
-                <a:ea typeface="+mn-ea"/>
-                <a:cs typeface="+mn-cs"/>
-              </a:defRPr>
-            </a:lvl7pPr>
-            <a:lvl8pPr marL="1500000" indent="-228600" algn="l" defTabSz="914400" rtl="0" eaLnBrk="1" latinLnBrk="0" hangingPunct="1">
-              <a:lnSpc>
-                <a:spcPct val="90000"/>
-              </a:lnSpc>
-              <a:spcBef>
-                <a:spcPts val="200"/>
-              </a:spcBef>
-              <a:spcAft>
-                <a:spcPts val="400"/>
-              </a:spcAft>
-              <a:buClr>
-                <a:schemeClr val="accent1"/>
-              </a:buClr>
-              <a:buFont typeface="Calibri" pitchFamily="34" charset="0"/>
-              <a:buChar char="◦"/>
-              <a:defRPr sz="1400" kern="1200">
-                <a:solidFill>
-                  <a:schemeClr val="tx1">
-                    <a:lumMod val="75000"/>
-                    <a:lumOff val="25000"/>
-                  </a:schemeClr>
-                </a:solidFill>
-                <a:latin typeface="+mn-lt"/>
-                <a:ea typeface="+mn-ea"/>
-                <a:cs typeface="+mn-cs"/>
-              </a:defRPr>
-            </a:lvl8pPr>
-            <a:lvl9pPr marL="1700000" indent="-228600" algn="l" defTabSz="914400" rtl="0" eaLnBrk="1" latinLnBrk="0" hangingPunct="1">
-              <a:lnSpc>
-                <a:spcPct val="90000"/>
-              </a:lnSpc>
-              <a:spcBef>
-                <a:spcPts val="200"/>
-              </a:spcBef>
-              <a:spcAft>
-                <a:spcPts val="400"/>
-              </a:spcAft>
-              <a:buClr>
-                <a:schemeClr val="accent1"/>
-              </a:buClr>
-              <a:buFont typeface="Calibri" pitchFamily="34" charset="0"/>
-              <a:buChar char="◦"/>
-              <a:defRPr sz="1400" kern="1200">
-                <a:solidFill>
-                  <a:schemeClr val="tx1">
-                    <a:lumMod val="75000"/>
-                    <a:lumOff val="25000"/>
-                  </a:schemeClr>
-                </a:solidFill>
-                <a:latin typeface="+mn-lt"/>
-                <a:ea typeface="+mn-ea"/>
-                <a:cs typeface="+mn-cs"/>
-              </a:defRPr>
-            </a:lvl9pPr>
-          </a:lstStyle>
-          <a:p>
-            <a:pPr marL="0" indent="0">
-              <a:buFont typeface="Calibri" panose="020F0502020204030204" pitchFamily="34" charset="0"/>
-              <a:buNone/>
-            </a:pPr>
-            <a:r>
-              <a:rPr lang="fr-FR" b="0" i="0" dirty="0">
-                <a:solidFill>
-                  <a:schemeClr val="tx1"/>
-                </a:solidFill>
-                <a:effectLst/>
-                <a:latin typeface="Söhne"/>
-              </a:rPr>
-              <a:t>List item</a:t>
-            </a:r>
-            <a:endParaRPr lang="fr-FR" dirty="0">
-              <a:solidFill>
-                <a:schemeClr val="tx1"/>
-              </a:solidFill>
-            </a:endParaRPr>
-          </a:p>
-        </p:txBody>
-      </p:sp>
-      <p:cxnSp>
-        <p:nvCxnSpPr>
-          <p:cNvPr id="10" name="Straight Arrow Connector 9">
-            <a:extLst>
-              <a:ext uri="{FF2B5EF4-FFF2-40B4-BE49-F238E27FC236}">
-                <a16:creationId xmlns:a16="http://schemas.microsoft.com/office/drawing/2014/main" id="{1ABFC74D-B23F-4925-A55F-07E4795A81D8}"/>
-              </a:ext>
-            </a:extLst>
-          </p:cNvPr>
-          <p:cNvCxnSpPr>
-            <a:cxnSpLocks/>
-          </p:cNvCxnSpPr>
-          <p:nvPr/>
-        </p:nvCxnSpPr>
-        <p:spPr>
-          <a:xfrm>
-            <a:off x="1882497" y="3109533"/>
-            <a:ext cx="2652158" cy="0"/>
-          </a:xfrm>
-          <a:prstGeom prst="straightConnector1">
-            <a:avLst/>
-          </a:prstGeom>
-          <a:ln w="76200" cap="flat" cmpd="sng" algn="ctr">
-            <a:solidFill>
-              <a:schemeClr val="tx1"/>
-            </a:solidFill>
-            <a:prstDash val="solid"/>
-            <a:round/>
-            <a:headEnd type="none" w="med" len="med"/>
-            <a:tailEnd type="arrow" w="med" len="med"/>
-          </a:ln>
-        </p:spPr>
-        <p:style>
-          <a:lnRef idx="0">
-            <a:scrgbClr r="0" g="0" b="0"/>
-          </a:lnRef>
-          <a:fillRef idx="0">
-            <a:scrgbClr r="0" g="0" b="0"/>
-          </a:fillRef>
-          <a:effectRef idx="0">
-            <a:scrgbClr r="0" g="0" b="0"/>
-          </a:effectRef>
-          <a:fontRef idx="minor">
-            <a:schemeClr val="tx1"/>
-          </a:fontRef>
-        </p:style>
-      </p:cxnSp>
-      <p:sp>
-        <p:nvSpPr>
-          <p:cNvPr id="12" name="TextBox 11">
-            <a:extLst>
-              <a:ext uri="{FF2B5EF4-FFF2-40B4-BE49-F238E27FC236}">
-                <a16:creationId xmlns:a16="http://schemas.microsoft.com/office/drawing/2014/main" id="{66698BBA-3A66-4D2A-9D55-CC00D2A28051}"/>
-              </a:ext>
-            </a:extLst>
-          </p:cNvPr>
-          <p:cNvSpPr txBox="1"/>
-          <p:nvPr/>
-        </p:nvSpPr>
-        <p:spPr>
-          <a:xfrm>
-            <a:off x="1097280" y="2851545"/>
-            <a:ext cx="1248355" cy="646331"/>
-          </a:xfrm>
-          <a:prstGeom prst="rect">
-            <a:avLst/>
-          </a:prstGeom>
-          <a:noFill/>
-        </p:spPr>
-        <p:txBody>
-          <a:bodyPr wrap="square">
-            <a:spAutoFit/>
-          </a:bodyPr>
-          <a:lstStyle/>
-          <a:p>
-            <a:r>
-              <a:rPr lang="fr-FR" b="0" dirty="0">
-                <a:solidFill>
-                  <a:srgbClr val="800000"/>
-                </a:solidFill>
-                <a:effectLst/>
-                <a:latin typeface="JetBrains Mono" panose="02000009000000000000" pitchFamily="49" charset="0"/>
-              </a:rPr>
-              <a:t>&lt;li&gt;</a:t>
-            </a:r>
-          </a:p>
-          <a:p>
-            <a:r>
-              <a:rPr lang="fr-FR" dirty="0">
-                <a:solidFill>
-                  <a:srgbClr val="800000"/>
-                </a:solidFill>
-                <a:latin typeface="JetBrains Mono" panose="02000009000000000000" pitchFamily="49" charset="0"/>
-              </a:rPr>
-              <a:t>…</a:t>
-            </a:r>
-            <a:r>
-              <a:rPr lang="fr-FR" b="0" dirty="0">
-                <a:solidFill>
-                  <a:srgbClr val="800000"/>
-                </a:solidFill>
-                <a:effectLst/>
-                <a:latin typeface="JetBrains Mono" panose="02000009000000000000" pitchFamily="49" charset="0"/>
-              </a:rPr>
-              <a:t>&lt;/li&gt;</a:t>
-            </a:r>
-            <a:endParaRPr lang="fr-FR" b="0" dirty="0">
-              <a:solidFill>
-                <a:srgbClr val="000000"/>
-              </a:solidFill>
-              <a:effectLst/>
-              <a:latin typeface="JetBrains Mono" panose="02000009000000000000" pitchFamily="49" charset="0"/>
-            </a:endParaRPr>
-          </a:p>
-        </p:txBody>
-      </p:sp>
-      <p:sp>
-        <p:nvSpPr>
-          <p:cNvPr id="11" name="TextBox 10">
-            <a:extLst>
-              <a:ext uri="{FF2B5EF4-FFF2-40B4-BE49-F238E27FC236}">
-                <a16:creationId xmlns:a16="http://schemas.microsoft.com/office/drawing/2014/main" id="{3C81F41A-9ECC-4A60-86B6-CB28C5E452F1}"/>
-              </a:ext>
-            </a:extLst>
-          </p:cNvPr>
-          <p:cNvSpPr txBox="1"/>
-          <p:nvPr/>
-        </p:nvSpPr>
-        <p:spPr>
-          <a:xfrm>
-            <a:off x="1097280" y="6409081"/>
-            <a:ext cx="7115542" cy="369332"/>
-          </a:xfrm>
-          <a:prstGeom prst="rect">
-            <a:avLst/>
-          </a:prstGeom>
-          <a:noFill/>
-        </p:spPr>
-        <p:txBody>
-          <a:bodyPr wrap="square">
-            <a:spAutoFit/>
-          </a:bodyPr>
-          <a:lstStyle/>
-          <a:p>
-            <a:r>
-              <a:rPr lang="en-GB" dirty="0">
-                <a:solidFill>
-                  <a:schemeClr val="accent1">
-                    <a:lumMod val="50000"/>
-                  </a:schemeClr>
-                </a:solidFill>
-              </a:rPr>
-              <a:t> JS Sessions – Full Stack Web Development</a:t>
-            </a:r>
-            <a:endParaRPr lang="fr-FR" dirty="0"/>
-          </a:p>
-        </p:txBody>
-      </p:sp>
-    </p:spTree>
-    <p:extLst>
-      <p:ext uri="{BB962C8B-B14F-4D97-AF65-F5344CB8AC3E}">
-        <p14:creationId xmlns:p14="http://schemas.microsoft.com/office/powerpoint/2010/main" val="3218775249"/>
       </p:ext>
     </p:extLst>
   </p:cSld>
